--- a/成果発表会テンプレート.pptx
+++ b/成果発表会テンプレート.pptx
@@ -124,6 +124,11 @@
       </a:defRPr>
     </a:lvl9pPr>
   </p:defaultTextStyle>
+  <p:extLst>
+    <p:ext uri="{EFAFB233-063F-42B5-8137-9DF3F51BA10A}">
+      <p15:sldGuideLst xmlns:p15="http://schemas.microsoft.com/office/powerpoint/2012/main"/>
+    </p:ext>
+  </p:extLst>
 </p:presentation>
 </file>
 
@@ -4084,6 +4089,58 @@
           </a:custGeom>
         </p:spPr>
       </p:pic>
+      <p:sp>
+        <p:nvSpPr>
+          <p:cNvPr id="6" name="稲妻 5">
+            <a:extLst>
+              <a:ext uri="{FF2B5EF4-FFF2-40B4-BE49-F238E27FC236}">
+                <a16:creationId xmlns:a16="http://schemas.microsoft.com/office/drawing/2014/main" id="{074B6484-A02F-48B1-81FD-E00FD3D1D06C}"/>
+              </a:ext>
+            </a:extLst>
+          </p:cNvPr>
+          <p:cNvSpPr/>
+          <p:nvPr/>
+        </p:nvSpPr>
+        <p:spPr>
+          <a:xfrm flipH="1">
+            <a:off x="9687697" y="4500926"/>
+            <a:ext cx="605480" cy="499933"/>
+          </a:xfrm>
+          <a:prstGeom prst="lightningBolt">
+            <a:avLst/>
+          </a:prstGeom>
+          <a:solidFill>
+            <a:srgbClr val="FFFF00"/>
+          </a:solidFill>
+          <a:ln>
+            <a:noFill/>
+          </a:ln>
+        </p:spPr>
+        <p:style>
+          <a:lnRef idx="2">
+            <a:schemeClr val="accent1">
+              <a:shade val="50000"/>
+            </a:schemeClr>
+          </a:lnRef>
+          <a:fillRef idx="1">
+            <a:schemeClr val="accent1"/>
+          </a:fillRef>
+          <a:effectRef idx="0">
+            <a:schemeClr val="accent1"/>
+          </a:effectRef>
+          <a:fontRef idx="minor">
+            <a:schemeClr val="lt1"/>
+          </a:fontRef>
+        </p:style>
+        <p:txBody>
+          <a:bodyPr rtlCol="0" anchor="ctr"/>
+          <a:lstStyle/>
+          <a:p>
+            <a:pPr algn="ctr"/>
+            <a:endParaRPr kumimoji="1" lang="ja-JP" altLang="en-US"/>
+          </a:p>
+        </p:txBody>
+      </p:sp>
     </p:spTree>
     <p:extLst>
       <p:ext uri="{BB962C8B-B14F-4D97-AF65-F5344CB8AC3E}">
@@ -6728,6 +6785,401 @@
           </a:p>
         </p:txBody>
       </p:sp>
+      <p:sp>
+        <p:nvSpPr>
+          <p:cNvPr id="19" name="楕円 18">
+            <a:extLst>
+              <a:ext uri="{FF2B5EF4-FFF2-40B4-BE49-F238E27FC236}">
+                <a16:creationId xmlns:a16="http://schemas.microsoft.com/office/drawing/2014/main" id="{80C968C5-990B-4851-8AE2-6BACBEFB3CDC}"/>
+              </a:ext>
+            </a:extLst>
+          </p:cNvPr>
+          <p:cNvSpPr/>
+          <p:nvPr/>
+        </p:nvSpPr>
+        <p:spPr>
+          <a:xfrm>
+            <a:off x="7851294" y="616465"/>
+            <a:ext cx="407773" cy="407773"/>
+          </a:xfrm>
+          <a:prstGeom prst="ellipse">
+            <a:avLst/>
+          </a:prstGeom>
+          <a:solidFill>
+            <a:srgbClr val="D9D9D9"/>
+          </a:solidFill>
+        </p:spPr>
+        <p:style>
+          <a:lnRef idx="2">
+            <a:schemeClr val="accent1">
+              <a:shade val="50000"/>
+            </a:schemeClr>
+          </a:lnRef>
+          <a:fillRef idx="1">
+            <a:schemeClr val="accent1"/>
+          </a:fillRef>
+          <a:effectRef idx="0">
+            <a:schemeClr val="accent1"/>
+          </a:effectRef>
+          <a:fontRef idx="minor">
+            <a:schemeClr val="lt1"/>
+          </a:fontRef>
+        </p:style>
+        <p:txBody>
+          <a:bodyPr rtlCol="0" anchor="ctr"/>
+          <a:lstStyle/>
+          <a:p>
+            <a:pPr algn="ctr"/>
+            <a:endParaRPr kumimoji="1" lang="ja-JP" altLang="en-US"/>
+          </a:p>
+        </p:txBody>
+      </p:sp>
+      <p:sp>
+        <p:nvSpPr>
+          <p:cNvPr id="20" name="楕円 19">
+            <a:extLst>
+              <a:ext uri="{FF2B5EF4-FFF2-40B4-BE49-F238E27FC236}">
+                <a16:creationId xmlns:a16="http://schemas.microsoft.com/office/drawing/2014/main" id="{DE6236E5-BD4A-4665-B4F9-1192E530ACFF}"/>
+              </a:ext>
+            </a:extLst>
+          </p:cNvPr>
+          <p:cNvSpPr/>
+          <p:nvPr/>
+        </p:nvSpPr>
+        <p:spPr>
+          <a:xfrm>
+            <a:off x="8689494" y="616465"/>
+            <a:ext cx="407773" cy="407773"/>
+          </a:xfrm>
+          <a:prstGeom prst="ellipse">
+            <a:avLst/>
+          </a:prstGeom>
+          <a:solidFill>
+            <a:srgbClr val="D9D9D9"/>
+          </a:solidFill>
+        </p:spPr>
+        <p:style>
+          <a:lnRef idx="2">
+            <a:schemeClr val="accent1">
+              <a:shade val="50000"/>
+            </a:schemeClr>
+          </a:lnRef>
+          <a:fillRef idx="1">
+            <a:schemeClr val="accent1"/>
+          </a:fillRef>
+          <a:effectRef idx="0">
+            <a:schemeClr val="accent1"/>
+          </a:effectRef>
+          <a:fontRef idx="minor">
+            <a:schemeClr val="lt1"/>
+          </a:fontRef>
+        </p:style>
+        <p:txBody>
+          <a:bodyPr rtlCol="0" anchor="ctr"/>
+          <a:lstStyle/>
+          <a:p>
+            <a:pPr algn="ctr"/>
+            <a:endParaRPr kumimoji="1" lang="ja-JP" altLang="en-US"/>
+          </a:p>
+        </p:txBody>
+      </p:sp>
+      <p:sp>
+        <p:nvSpPr>
+          <p:cNvPr id="21" name="楕円 20">
+            <a:extLst>
+              <a:ext uri="{FF2B5EF4-FFF2-40B4-BE49-F238E27FC236}">
+                <a16:creationId xmlns:a16="http://schemas.microsoft.com/office/drawing/2014/main" id="{5D10E5C7-75AE-4C25-A43D-4B2AB93F4C38}"/>
+              </a:ext>
+            </a:extLst>
+          </p:cNvPr>
+          <p:cNvSpPr/>
+          <p:nvPr/>
+        </p:nvSpPr>
+        <p:spPr>
+          <a:xfrm>
+            <a:off x="9527694" y="616465"/>
+            <a:ext cx="407773" cy="407773"/>
+          </a:xfrm>
+          <a:prstGeom prst="ellipse">
+            <a:avLst/>
+          </a:prstGeom>
+          <a:solidFill>
+            <a:srgbClr val="D9D9D9"/>
+          </a:solidFill>
+        </p:spPr>
+        <p:style>
+          <a:lnRef idx="2">
+            <a:schemeClr val="accent1">
+              <a:shade val="50000"/>
+            </a:schemeClr>
+          </a:lnRef>
+          <a:fillRef idx="1">
+            <a:schemeClr val="accent1"/>
+          </a:fillRef>
+          <a:effectRef idx="0">
+            <a:schemeClr val="accent1"/>
+          </a:effectRef>
+          <a:fontRef idx="minor">
+            <a:schemeClr val="lt1"/>
+          </a:fontRef>
+        </p:style>
+        <p:txBody>
+          <a:bodyPr rtlCol="0" anchor="ctr"/>
+          <a:lstStyle/>
+          <a:p>
+            <a:pPr algn="ctr"/>
+            <a:endParaRPr kumimoji="1" lang="ja-JP" altLang="en-US"/>
+          </a:p>
+        </p:txBody>
+      </p:sp>
+      <p:sp>
+        <p:nvSpPr>
+          <p:cNvPr id="22" name="楕円 21">
+            <a:extLst>
+              <a:ext uri="{FF2B5EF4-FFF2-40B4-BE49-F238E27FC236}">
+                <a16:creationId xmlns:a16="http://schemas.microsoft.com/office/drawing/2014/main" id="{6ADB8B6D-817D-4CF1-A095-C8A242B8F3CC}"/>
+              </a:ext>
+            </a:extLst>
+          </p:cNvPr>
+          <p:cNvSpPr/>
+          <p:nvPr/>
+        </p:nvSpPr>
+        <p:spPr>
+          <a:xfrm>
+            <a:off x="10365894" y="616465"/>
+            <a:ext cx="407773" cy="407773"/>
+          </a:xfrm>
+          <a:prstGeom prst="ellipse">
+            <a:avLst/>
+          </a:prstGeom>
+          <a:solidFill>
+            <a:srgbClr val="D9D9D9"/>
+          </a:solidFill>
+        </p:spPr>
+        <p:style>
+          <a:lnRef idx="2">
+            <a:schemeClr val="accent1">
+              <a:shade val="50000"/>
+            </a:schemeClr>
+          </a:lnRef>
+          <a:fillRef idx="1">
+            <a:schemeClr val="accent1"/>
+          </a:fillRef>
+          <a:effectRef idx="0">
+            <a:schemeClr val="accent1"/>
+          </a:effectRef>
+          <a:fontRef idx="minor">
+            <a:schemeClr val="lt1"/>
+          </a:fontRef>
+        </p:style>
+        <p:txBody>
+          <a:bodyPr rtlCol="0" anchor="ctr"/>
+          <a:lstStyle/>
+          <a:p>
+            <a:pPr algn="ctr"/>
+            <a:endParaRPr kumimoji="1" lang="ja-JP" altLang="en-US"/>
+          </a:p>
+        </p:txBody>
+      </p:sp>
+      <p:sp>
+        <p:nvSpPr>
+          <p:cNvPr id="23" name="楕円 22">
+            <a:extLst>
+              <a:ext uri="{FF2B5EF4-FFF2-40B4-BE49-F238E27FC236}">
+                <a16:creationId xmlns:a16="http://schemas.microsoft.com/office/drawing/2014/main" id="{4DA4AF79-A714-4D2B-95E7-7192C0F4C32F}"/>
+              </a:ext>
+            </a:extLst>
+          </p:cNvPr>
+          <p:cNvSpPr/>
+          <p:nvPr/>
+        </p:nvSpPr>
+        <p:spPr>
+          <a:xfrm>
+            <a:off x="11204094" y="616465"/>
+            <a:ext cx="407773" cy="407773"/>
+          </a:xfrm>
+          <a:prstGeom prst="ellipse">
+            <a:avLst/>
+          </a:prstGeom>
+          <a:solidFill>
+            <a:srgbClr val="D9D9D9"/>
+          </a:solidFill>
+        </p:spPr>
+        <p:style>
+          <a:lnRef idx="2">
+            <a:schemeClr val="accent1">
+              <a:shade val="50000"/>
+            </a:schemeClr>
+          </a:lnRef>
+          <a:fillRef idx="1">
+            <a:schemeClr val="accent1"/>
+          </a:fillRef>
+          <a:effectRef idx="0">
+            <a:schemeClr val="accent1"/>
+          </a:effectRef>
+          <a:fontRef idx="minor">
+            <a:schemeClr val="lt1"/>
+          </a:fontRef>
+        </p:style>
+        <p:txBody>
+          <a:bodyPr rtlCol="0" anchor="ctr"/>
+          <a:lstStyle/>
+          <a:p>
+            <a:pPr algn="ctr"/>
+            <a:endParaRPr kumimoji="1" lang="ja-JP" altLang="en-US"/>
+          </a:p>
+        </p:txBody>
+      </p:sp>
+      <p:sp>
+        <p:nvSpPr>
+          <p:cNvPr id="24" name="正方形/長方形 23">
+            <a:extLst>
+              <a:ext uri="{FF2B5EF4-FFF2-40B4-BE49-F238E27FC236}">
+                <a16:creationId xmlns:a16="http://schemas.microsoft.com/office/drawing/2014/main" id="{CB80A733-6A4B-406F-B75C-40F17EC63F25}"/>
+              </a:ext>
+            </a:extLst>
+          </p:cNvPr>
+          <p:cNvSpPr/>
+          <p:nvPr/>
+        </p:nvSpPr>
+        <p:spPr>
+          <a:xfrm>
+            <a:off x="8055180" y="779505"/>
+            <a:ext cx="3298620" cy="81692"/>
+          </a:xfrm>
+          <a:prstGeom prst="rect">
+            <a:avLst/>
+          </a:prstGeom>
+          <a:solidFill>
+            <a:srgbClr val="D9D9D9"/>
+          </a:solidFill>
+          <a:ln>
+            <a:noFill/>
+          </a:ln>
+        </p:spPr>
+        <p:style>
+          <a:lnRef idx="2">
+            <a:schemeClr val="accent1">
+              <a:shade val="50000"/>
+            </a:schemeClr>
+          </a:lnRef>
+          <a:fillRef idx="1">
+            <a:schemeClr val="accent1"/>
+          </a:fillRef>
+          <a:effectRef idx="0">
+            <a:schemeClr val="accent1"/>
+          </a:effectRef>
+          <a:fontRef idx="minor">
+            <a:schemeClr val="lt1"/>
+          </a:fontRef>
+        </p:style>
+        <p:txBody>
+          <a:bodyPr rtlCol="0" anchor="ctr"/>
+          <a:lstStyle/>
+          <a:p>
+            <a:pPr algn="ctr"/>
+            <a:endParaRPr kumimoji="1" lang="ja-JP" altLang="en-US"/>
+          </a:p>
+        </p:txBody>
+      </p:sp>
+      <p:sp>
+        <p:nvSpPr>
+          <p:cNvPr id="25" name="テキスト ボックス 24">
+            <a:extLst>
+              <a:ext uri="{FF2B5EF4-FFF2-40B4-BE49-F238E27FC236}">
+                <a16:creationId xmlns:a16="http://schemas.microsoft.com/office/drawing/2014/main" id="{6A25E86C-9AC5-4CE4-B34F-4A369F5DF1FD}"/>
+              </a:ext>
+            </a:extLst>
+          </p:cNvPr>
+          <p:cNvSpPr txBox="1"/>
+          <p:nvPr/>
+        </p:nvSpPr>
+        <p:spPr>
+          <a:xfrm>
+            <a:off x="7648833" y="204282"/>
+            <a:ext cx="1297460" cy="461665"/>
+          </a:xfrm>
+          <a:prstGeom prst="rect">
+            <a:avLst/>
+          </a:prstGeom>
+          <a:noFill/>
+        </p:spPr>
+        <p:txBody>
+          <a:bodyPr wrap="square" rtlCol="0">
+            <a:spAutoFit/>
+          </a:bodyPr>
+          <a:lstStyle/>
+          <a:p>
+            <a:r>
+              <a:rPr kumimoji="1" lang="en-US" altLang="ja-JP" sz="2400" b="1" dirty="0">
+                <a:solidFill>
+                  <a:schemeClr val="bg1"/>
+                </a:solidFill>
+              </a:rPr>
+              <a:t>Progress</a:t>
+            </a:r>
+            <a:endParaRPr kumimoji="1" lang="ja-JP" altLang="en-US" sz="2400" b="1" dirty="0">
+              <a:solidFill>
+                <a:schemeClr val="bg1"/>
+              </a:solidFill>
+            </a:endParaRPr>
+          </a:p>
+        </p:txBody>
+      </p:sp>
+      <p:sp>
+        <p:nvSpPr>
+          <p:cNvPr id="26" name="楕円 25">
+            <a:extLst>
+              <a:ext uri="{FF2B5EF4-FFF2-40B4-BE49-F238E27FC236}">
+                <a16:creationId xmlns:a16="http://schemas.microsoft.com/office/drawing/2014/main" id="{DB4B3FFA-D728-42BB-841B-16A4915B20DA}"/>
+              </a:ext>
+            </a:extLst>
+          </p:cNvPr>
+          <p:cNvSpPr/>
+          <p:nvPr/>
+        </p:nvSpPr>
+        <p:spPr>
+          <a:xfrm>
+            <a:off x="8763634" y="690605"/>
+            <a:ext cx="259492" cy="259492"/>
+          </a:xfrm>
+          <a:prstGeom prst="ellipse">
+            <a:avLst/>
+          </a:prstGeom>
+          <a:solidFill>
+            <a:schemeClr val="accent1">
+              <a:lumMod val="75000"/>
+            </a:schemeClr>
+          </a:solidFill>
+          <a:ln>
+            <a:noFill/>
+          </a:ln>
+        </p:spPr>
+        <p:style>
+          <a:lnRef idx="2">
+            <a:schemeClr val="accent1">
+              <a:shade val="50000"/>
+            </a:schemeClr>
+          </a:lnRef>
+          <a:fillRef idx="1">
+            <a:schemeClr val="accent1"/>
+          </a:fillRef>
+          <a:effectRef idx="0">
+            <a:schemeClr val="accent1"/>
+          </a:effectRef>
+          <a:fontRef idx="minor">
+            <a:schemeClr val="lt1"/>
+          </a:fontRef>
+        </p:style>
+        <p:txBody>
+          <a:bodyPr rtlCol="0" anchor="ctr"/>
+          <a:lstStyle/>
+          <a:p>
+            <a:pPr algn="ctr"/>
+            <a:endParaRPr kumimoji="1" lang="ja-JP" altLang="en-US"/>
+          </a:p>
+        </p:txBody>
+      </p:sp>
     </p:spTree>
     <p:extLst>
       <p:ext uri="{BB962C8B-B14F-4D97-AF65-F5344CB8AC3E}">
@@ -7859,6 +8311,401 @@
               <a:ea typeface="メイリオ" panose="020B0604030504040204" pitchFamily="50" charset="-128"/>
               <a:cs typeface="+mn-cs"/>
             </a:endParaRPr>
+          </a:p>
+        </p:txBody>
+      </p:sp>
+      <p:sp>
+        <p:nvSpPr>
+          <p:cNvPr id="19" name="楕円 18">
+            <a:extLst>
+              <a:ext uri="{FF2B5EF4-FFF2-40B4-BE49-F238E27FC236}">
+                <a16:creationId xmlns:a16="http://schemas.microsoft.com/office/drawing/2014/main" id="{8285709C-61B9-4C65-A2D1-72E74AEC8A4E}"/>
+              </a:ext>
+            </a:extLst>
+          </p:cNvPr>
+          <p:cNvSpPr/>
+          <p:nvPr/>
+        </p:nvSpPr>
+        <p:spPr>
+          <a:xfrm>
+            <a:off x="7851294" y="616465"/>
+            <a:ext cx="407773" cy="407773"/>
+          </a:xfrm>
+          <a:prstGeom prst="ellipse">
+            <a:avLst/>
+          </a:prstGeom>
+          <a:solidFill>
+            <a:srgbClr val="D9D9D9"/>
+          </a:solidFill>
+        </p:spPr>
+        <p:style>
+          <a:lnRef idx="2">
+            <a:schemeClr val="accent1">
+              <a:shade val="50000"/>
+            </a:schemeClr>
+          </a:lnRef>
+          <a:fillRef idx="1">
+            <a:schemeClr val="accent1"/>
+          </a:fillRef>
+          <a:effectRef idx="0">
+            <a:schemeClr val="accent1"/>
+          </a:effectRef>
+          <a:fontRef idx="minor">
+            <a:schemeClr val="lt1"/>
+          </a:fontRef>
+        </p:style>
+        <p:txBody>
+          <a:bodyPr rtlCol="0" anchor="ctr"/>
+          <a:lstStyle/>
+          <a:p>
+            <a:pPr algn="ctr"/>
+            <a:endParaRPr kumimoji="1" lang="ja-JP" altLang="en-US"/>
+          </a:p>
+        </p:txBody>
+      </p:sp>
+      <p:sp>
+        <p:nvSpPr>
+          <p:cNvPr id="20" name="楕円 19">
+            <a:extLst>
+              <a:ext uri="{FF2B5EF4-FFF2-40B4-BE49-F238E27FC236}">
+                <a16:creationId xmlns:a16="http://schemas.microsoft.com/office/drawing/2014/main" id="{3330E8F9-9A40-4135-B725-69382169BDA2}"/>
+              </a:ext>
+            </a:extLst>
+          </p:cNvPr>
+          <p:cNvSpPr/>
+          <p:nvPr/>
+        </p:nvSpPr>
+        <p:spPr>
+          <a:xfrm>
+            <a:off x="8689494" y="616465"/>
+            <a:ext cx="407773" cy="407773"/>
+          </a:xfrm>
+          <a:prstGeom prst="ellipse">
+            <a:avLst/>
+          </a:prstGeom>
+          <a:solidFill>
+            <a:srgbClr val="D9D9D9"/>
+          </a:solidFill>
+        </p:spPr>
+        <p:style>
+          <a:lnRef idx="2">
+            <a:schemeClr val="accent1">
+              <a:shade val="50000"/>
+            </a:schemeClr>
+          </a:lnRef>
+          <a:fillRef idx="1">
+            <a:schemeClr val="accent1"/>
+          </a:fillRef>
+          <a:effectRef idx="0">
+            <a:schemeClr val="accent1"/>
+          </a:effectRef>
+          <a:fontRef idx="minor">
+            <a:schemeClr val="lt1"/>
+          </a:fontRef>
+        </p:style>
+        <p:txBody>
+          <a:bodyPr rtlCol="0" anchor="ctr"/>
+          <a:lstStyle/>
+          <a:p>
+            <a:pPr algn="ctr"/>
+            <a:endParaRPr kumimoji="1" lang="ja-JP" altLang="en-US"/>
+          </a:p>
+        </p:txBody>
+      </p:sp>
+      <p:sp>
+        <p:nvSpPr>
+          <p:cNvPr id="21" name="楕円 20">
+            <a:extLst>
+              <a:ext uri="{FF2B5EF4-FFF2-40B4-BE49-F238E27FC236}">
+                <a16:creationId xmlns:a16="http://schemas.microsoft.com/office/drawing/2014/main" id="{F7CC00C1-4844-4C8A-B653-4965D7CC80F6}"/>
+              </a:ext>
+            </a:extLst>
+          </p:cNvPr>
+          <p:cNvSpPr/>
+          <p:nvPr/>
+        </p:nvSpPr>
+        <p:spPr>
+          <a:xfrm>
+            <a:off x="9527694" y="616465"/>
+            <a:ext cx="407773" cy="407773"/>
+          </a:xfrm>
+          <a:prstGeom prst="ellipse">
+            <a:avLst/>
+          </a:prstGeom>
+          <a:solidFill>
+            <a:srgbClr val="D9D9D9"/>
+          </a:solidFill>
+        </p:spPr>
+        <p:style>
+          <a:lnRef idx="2">
+            <a:schemeClr val="accent1">
+              <a:shade val="50000"/>
+            </a:schemeClr>
+          </a:lnRef>
+          <a:fillRef idx="1">
+            <a:schemeClr val="accent1"/>
+          </a:fillRef>
+          <a:effectRef idx="0">
+            <a:schemeClr val="accent1"/>
+          </a:effectRef>
+          <a:fontRef idx="minor">
+            <a:schemeClr val="lt1"/>
+          </a:fontRef>
+        </p:style>
+        <p:txBody>
+          <a:bodyPr rtlCol="0" anchor="ctr"/>
+          <a:lstStyle/>
+          <a:p>
+            <a:pPr algn="ctr"/>
+            <a:endParaRPr kumimoji="1" lang="ja-JP" altLang="en-US"/>
+          </a:p>
+        </p:txBody>
+      </p:sp>
+      <p:sp>
+        <p:nvSpPr>
+          <p:cNvPr id="22" name="楕円 21">
+            <a:extLst>
+              <a:ext uri="{FF2B5EF4-FFF2-40B4-BE49-F238E27FC236}">
+                <a16:creationId xmlns:a16="http://schemas.microsoft.com/office/drawing/2014/main" id="{1F52F4E2-64C7-4751-AFF2-26AECD921673}"/>
+              </a:ext>
+            </a:extLst>
+          </p:cNvPr>
+          <p:cNvSpPr/>
+          <p:nvPr/>
+        </p:nvSpPr>
+        <p:spPr>
+          <a:xfrm>
+            <a:off x="10365894" y="616465"/>
+            <a:ext cx="407773" cy="407773"/>
+          </a:xfrm>
+          <a:prstGeom prst="ellipse">
+            <a:avLst/>
+          </a:prstGeom>
+          <a:solidFill>
+            <a:srgbClr val="D9D9D9"/>
+          </a:solidFill>
+        </p:spPr>
+        <p:style>
+          <a:lnRef idx="2">
+            <a:schemeClr val="accent1">
+              <a:shade val="50000"/>
+            </a:schemeClr>
+          </a:lnRef>
+          <a:fillRef idx="1">
+            <a:schemeClr val="accent1"/>
+          </a:fillRef>
+          <a:effectRef idx="0">
+            <a:schemeClr val="accent1"/>
+          </a:effectRef>
+          <a:fontRef idx="minor">
+            <a:schemeClr val="lt1"/>
+          </a:fontRef>
+        </p:style>
+        <p:txBody>
+          <a:bodyPr rtlCol="0" anchor="ctr"/>
+          <a:lstStyle/>
+          <a:p>
+            <a:pPr algn="ctr"/>
+            <a:endParaRPr kumimoji="1" lang="ja-JP" altLang="en-US"/>
+          </a:p>
+        </p:txBody>
+      </p:sp>
+      <p:sp>
+        <p:nvSpPr>
+          <p:cNvPr id="23" name="楕円 22">
+            <a:extLst>
+              <a:ext uri="{FF2B5EF4-FFF2-40B4-BE49-F238E27FC236}">
+                <a16:creationId xmlns:a16="http://schemas.microsoft.com/office/drawing/2014/main" id="{A7C03EF7-0BFE-4D44-AC18-FC3D196C347A}"/>
+              </a:ext>
+            </a:extLst>
+          </p:cNvPr>
+          <p:cNvSpPr/>
+          <p:nvPr/>
+        </p:nvSpPr>
+        <p:spPr>
+          <a:xfrm>
+            <a:off x="11204094" y="616465"/>
+            <a:ext cx="407773" cy="407773"/>
+          </a:xfrm>
+          <a:prstGeom prst="ellipse">
+            <a:avLst/>
+          </a:prstGeom>
+          <a:solidFill>
+            <a:srgbClr val="D9D9D9"/>
+          </a:solidFill>
+        </p:spPr>
+        <p:style>
+          <a:lnRef idx="2">
+            <a:schemeClr val="accent1">
+              <a:shade val="50000"/>
+            </a:schemeClr>
+          </a:lnRef>
+          <a:fillRef idx="1">
+            <a:schemeClr val="accent1"/>
+          </a:fillRef>
+          <a:effectRef idx="0">
+            <a:schemeClr val="accent1"/>
+          </a:effectRef>
+          <a:fontRef idx="minor">
+            <a:schemeClr val="lt1"/>
+          </a:fontRef>
+        </p:style>
+        <p:txBody>
+          <a:bodyPr rtlCol="0" anchor="ctr"/>
+          <a:lstStyle/>
+          <a:p>
+            <a:pPr algn="ctr"/>
+            <a:endParaRPr kumimoji="1" lang="ja-JP" altLang="en-US"/>
+          </a:p>
+        </p:txBody>
+      </p:sp>
+      <p:sp>
+        <p:nvSpPr>
+          <p:cNvPr id="24" name="正方形/長方形 23">
+            <a:extLst>
+              <a:ext uri="{FF2B5EF4-FFF2-40B4-BE49-F238E27FC236}">
+                <a16:creationId xmlns:a16="http://schemas.microsoft.com/office/drawing/2014/main" id="{0D4D1479-70EC-4A28-81E3-A61B95205522}"/>
+              </a:ext>
+            </a:extLst>
+          </p:cNvPr>
+          <p:cNvSpPr/>
+          <p:nvPr/>
+        </p:nvSpPr>
+        <p:spPr>
+          <a:xfrm>
+            <a:off x="8055180" y="779505"/>
+            <a:ext cx="3298620" cy="81692"/>
+          </a:xfrm>
+          <a:prstGeom prst="rect">
+            <a:avLst/>
+          </a:prstGeom>
+          <a:solidFill>
+            <a:srgbClr val="D9D9D9"/>
+          </a:solidFill>
+          <a:ln>
+            <a:noFill/>
+          </a:ln>
+        </p:spPr>
+        <p:style>
+          <a:lnRef idx="2">
+            <a:schemeClr val="accent1">
+              <a:shade val="50000"/>
+            </a:schemeClr>
+          </a:lnRef>
+          <a:fillRef idx="1">
+            <a:schemeClr val="accent1"/>
+          </a:fillRef>
+          <a:effectRef idx="0">
+            <a:schemeClr val="accent1"/>
+          </a:effectRef>
+          <a:fontRef idx="minor">
+            <a:schemeClr val="lt1"/>
+          </a:fontRef>
+        </p:style>
+        <p:txBody>
+          <a:bodyPr rtlCol="0" anchor="ctr"/>
+          <a:lstStyle/>
+          <a:p>
+            <a:pPr algn="ctr"/>
+            <a:endParaRPr kumimoji="1" lang="ja-JP" altLang="en-US"/>
+          </a:p>
+        </p:txBody>
+      </p:sp>
+      <p:sp>
+        <p:nvSpPr>
+          <p:cNvPr id="25" name="テキスト ボックス 24">
+            <a:extLst>
+              <a:ext uri="{FF2B5EF4-FFF2-40B4-BE49-F238E27FC236}">
+                <a16:creationId xmlns:a16="http://schemas.microsoft.com/office/drawing/2014/main" id="{DABF6C26-9398-40B0-BD4E-73DAFEF47A07}"/>
+              </a:ext>
+            </a:extLst>
+          </p:cNvPr>
+          <p:cNvSpPr txBox="1"/>
+          <p:nvPr/>
+        </p:nvSpPr>
+        <p:spPr>
+          <a:xfrm>
+            <a:off x="7648833" y="204282"/>
+            <a:ext cx="1297460" cy="461665"/>
+          </a:xfrm>
+          <a:prstGeom prst="rect">
+            <a:avLst/>
+          </a:prstGeom>
+          <a:noFill/>
+        </p:spPr>
+        <p:txBody>
+          <a:bodyPr wrap="square" rtlCol="0">
+            <a:spAutoFit/>
+          </a:bodyPr>
+          <a:lstStyle/>
+          <a:p>
+            <a:r>
+              <a:rPr kumimoji="1" lang="en-US" altLang="ja-JP" sz="2400" b="1" dirty="0">
+                <a:solidFill>
+                  <a:schemeClr val="bg1"/>
+                </a:solidFill>
+              </a:rPr>
+              <a:t>Progress</a:t>
+            </a:r>
+            <a:endParaRPr kumimoji="1" lang="ja-JP" altLang="en-US" sz="2400" b="1" dirty="0">
+              <a:solidFill>
+                <a:schemeClr val="bg1"/>
+              </a:solidFill>
+            </a:endParaRPr>
+          </a:p>
+        </p:txBody>
+      </p:sp>
+      <p:sp>
+        <p:nvSpPr>
+          <p:cNvPr id="26" name="楕円 25">
+            <a:extLst>
+              <a:ext uri="{FF2B5EF4-FFF2-40B4-BE49-F238E27FC236}">
+                <a16:creationId xmlns:a16="http://schemas.microsoft.com/office/drawing/2014/main" id="{FA7DC186-041D-4D1F-8361-5A0D5D4A68B3}"/>
+              </a:ext>
+            </a:extLst>
+          </p:cNvPr>
+          <p:cNvSpPr/>
+          <p:nvPr/>
+        </p:nvSpPr>
+        <p:spPr>
+          <a:xfrm>
+            <a:off x="8763634" y="690605"/>
+            <a:ext cx="259492" cy="259492"/>
+          </a:xfrm>
+          <a:prstGeom prst="ellipse">
+            <a:avLst/>
+          </a:prstGeom>
+          <a:solidFill>
+            <a:schemeClr val="accent1">
+              <a:lumMod val="75000"/>
+            </a:schemeClr>
+          </a:solidFill>
+          <a:ln>
+            <a:noFill/>
+          </a:ln>
+        </p:spPr>
+        <p:style>
+          <a:lnRef idx="2">
+            <a:schemeClr val="accent1">
+              <a:shade val="50000"/>
+            </a:schemeClr>
+          </a:lnRef>
+          <a:fillRef idx="1">
+            <a:schemeClr val="accent1"/>
+          </a:fillRef>
+          <a:effectRef idx="0">
+            <a:schemeClr val="accent1"/>
+          </a:effectRef>
+          <a:fontRef idx="minor">
+            <a:schemeClr val="lt1"/>
+          </a:fontRef>
+        </p:style>
+        <p:txBody>
+          <a:bodyPr rtlCol="0" anchor="ctr"/>
+          <a:lstStyle/>
+          <a:p>
+            <a:pPr algn="ctr"/>
+            <a:endParaRPr kumimoji="1" lang="ja-JP" altLang="en-US"/>
           </a:p>
         </p:txBody>
       </p:sp>
@@ -10506,6 +11353,401 @@
           </a:p>
         </p:txBody>
       </p:sp>
+      <p:sp>
+        <p:nvSpPr>
+          <p:cNvPr id="19" name="楕円 18">
+            <a:extLst>
+              <a:ext uri="{FF2B5EF4-FFF2-40B4-BE49-F238E27FC236}">
+                <a16:creationId xmlns:a16="http://schemas.microsoft.com/office/drawing/2014/main" id="{369B0997-36B0-46C4-BF5A-3655CDE9EF5B}"/>
+              </a:ext>
+            </a:extLst>
+          </p:cNvPr>
+          <p:cNvSpPr/>
+          <p:nvPr/>
+        </p:nvSpPr>
+        <p:spPr>
+          <a:xfrm>
+            <a:off x="7851294" y="616465"/>
+            <a:ext cx="407773" cy="407773"/>
+          </a:xfrm>
+          <a:prstGeom prst="ellipse">
+            <a:avLst/>
+          </a:prstGeom>
+          <a:solidFill>
+            <a:srgbClr val="D9D9D9"/>
+          </a:solidFill>
+        </p:spPr>
+        <p:style>
+          <a:lnRef idx="2">
+            <a:schemeClr val="accent1">
+              <a:shade val="50000"/>
+            </a:schemeClr>
+          </a:lnRef>
+          <a:fillRef idx="1">
+            <a:schemeClr val="accent1"/>
+          </a:fillRef>
+          <a:effectRef idx="0">
+            <a:schemeClr val="accent1"/>
+          </a:effectRef>
+          <a:fontRef idx="minor">
+            <a:schemeClr val="lt1"/>
+          </a:fontRef>
+        </p:style>
+        <p:txBody>
+          <a:bodyPr rtlCol="0" anchor="ctr"/>
+          <a:lstStyle/>
+          <a:p>
+            <a:pPr algn="ctr"/>
+            <a:endParaRPr kumimoji="1" lang="ja-JP" altLang="en-US"/>
+          </a:p>
+        </p:txBody>
+      </p:sp>
+      <p:sp>
+        <p:nvSpPr>
+          <p:cNvPr id="20" name="楕円 19">
+            <a:extLst>
+              <a:ext uri="{FF2B5EF4-FFF2-40B4-BE49-F238E27FC236}">
+                <a16:creationId xmlns:a16="http://schemas.microsoft.com/office/drawing/2014/main" id="{85579588-9B10-40BA-880E-AC11A6319628}"/>
+              </a:ext>
+            </a:extLst>
+          </p:cNvPr>
+          <p:cNvSpPr/>
+          <p:nvPr/>
+        </p:nvSpPr>
+        <p:spPr>
+          <a:xfrm>
+            <a:off x="8689494" y="616465"/>
+            <a:ext cx="407773" cy="407773"/>
+          </a:xfrm>
+          <a:prstGeom prst="ellipse">
+            <a:avLst/>
+          </a:prstGeom>
+          <a:solidFill>
+            <a:srgbClr val="D9D9D9"/>
+          </a:solidFill>
+        </p:spPr>
+        <p:style>
+          <a:lnRef idx="2">
+            <a:schemeClr val="accent1">
+              <a:shade val="50000"/>
+            </a:schemeClr>
+          </a:lnRef>
+          <a:fillRef idx="1">
+            <a:schemeClr val="accent1"/>
+          </a:fillRef>
+          <a:effectRef idx="0">
+            <a:schemeClr val="accent1"/>
+          </a:effectRef>
+          <a:fontRef idx="minor">
+            <a:schemeClr val="lt1"/>
+          </a:fontRef>
+        </p:style>
+        <p:txBody>
+          <a:bodyPr rtlCol="0" anchor="ctr"/>
+          <a:lstStyle/>
+          <a:p>
+            <a:pPr algn="ctr"/>
+            <a:endParaRPr kumimoji="1" lang="ja-JP" altLang="en-US"/>
+          </a:p>
+        </p:txBody>
+      </p:sp>
+      <p:sp>
+        <p:nvSpPr>
+          <p:cNvPr id="21" name="楕円 20">
+            <a:extLst>
+              <a:ext uri="{FF2B5EF4-FFF2-40B4-BE49-F238E27FC236}">
+                <a16:creationId xmlns:a16="http://schemas.microsoft.com/office/drawing/2014/main" id="{CA539B7C-D1AD-4BA4-9E3D-07ADA370D04E}"/>
+              </a:ext>
+            </a:extLst>
+          </p:cNvPr>
+          <p:cNvSpPr/>
+          <p:nvPr/>
+        </p:nvSpPr>
+        <p:spPr>
+          <a:xfrm>
+            <a:off x="9527694" y="616465"/>
+            <a:ext cx="407773" cy="407773"/>
+          </a:xfrm>
+          <a:prstGeom prst="ellipse">
+            <a:avLst/>
+          </a:prstGeom>
+          <a:solidFill>
+            <a:srgbClr val="D9D9D9"/>
+          </a:solidFill>
+        </p:spPr>
+        <p:style>
+          <a:lnRef idx="2">
+            <a:schemeClr val="accent1">
+              <a:shade val="50000"/>
+            </a:schemeClr>
+          </a:lnRef>
+          <a:fillRef idx="1">
+            <a:schemeClr val="accent1"/>
+          </a:fillRef>
+          <a:effectRef idx="0">
+            <a:schemeClr val="accent1"/>
+          </a:effectRef>
+          <a:fontRef idx="minor">
+            <a:schemeClr val="lt1"/>
+          </a:fontRef>
+        </p:style>
+        <p:txBody>
+          <a:bodyPr rtlCol="0" anchor="ctr"/>
+          <a:lstStyle/>
+          <a:p>
+            <a:pPr algn="ctr"/>
+            <a:endParaRPr kumimoji="1" lang="ja-JP" altLang="en-US"/>
+          </a:p>
+        </p:txBody>
+      </p:sp>
+      <p:sp>
+        <p:nvSpPr>
+          <p:cNvPr id="22" name="楕円 21">
+            <a:extLst>
+              <a:ext uri="{FF2B5EF4-FFF2-40B4-BE49-F238E27FC236}">
+                <a16:creationId xmlns:a16="http://schemas.microsoft.com/office/drawing/2014/main" id="{D51D5391-3E0B-4A4E-9A5F-4CAE91968A6C}"/>
+              </a:ext>
+            </a:extLst>
+          </p:cNvPr>
+          <p:cNvSpPr/>
+          <p:nvPr/>
+        </p:nvSpPr>
+        <p:spPr>
+          <a:xfrm>
+            <a:off x="10365894" y="616465"/>
+            <a:ext cx="407773" cy="407773"/>
+          </a:xfrm>
+          <a:prstGeom prst="ellipse">
+            <a:avLst/>
+          </a:prstGeom>
+          <a:solidFill>
+            <a:srgbClr val="D9D9D9"/>
+          </a:solidFill>
+        </p:spPr>
+        <p:style>
+          <a:lnRef idx="2">
+            <a:schemeClr val="accent1">
+              <a:shade val="50000"/>
+            </a:schemeClr>
+          </a:lnRef>
+          <a:fillRef idx="1">
+            <a:schemeClr val="accent1"/>
+          </a:fillRef>
+          <a:effectRef idx="0">
+            <a:schemeClr val="accent1"/>
+          </a:effectRef>
+          <a:fontRef idx="minor">
+            <a:schemeClr val="lt1"/>
+          </a:fontRef>
+        </p:style>
+        <p:txBody>
+          <a:bodyPr rtlCol="0" anchor="ctr"/>
+          <a:lstStyle/>
+          <a:p>
+            <a:pPr algn="ctr"/>
+            <a:endParaRPr kumimoji="1" lang="ja-JP" altLang="en-US"/>
+          </a:p>
+        </p:txBody>
+      </p:sp>
+      <p:sp>
+        <p:nvSpPr>
+          <p:cNvPr id="23" name="楕円 22">
+            <a:extLst>
+              <a:ext uri="{FF2B5EF4-FFF2-40B4-BE49-F238E27FC236}">
+                <a16:creationId xmlns:a16="http://schemas.microsoft.com/office/drawing/2014/main" id="{4E73040B-B8DF-4156-9439-4B842D7B47C3}"/>
+              </a:ext>
+            </a:extLst>
+          </p:cNvPr>
+          <p:cNvSpPr/>
+          <p:nvPr/>
+        </p:nvSpPr>
+        <p:spPr>
+          <a:xfrm>
+            <a:off x="11204094" y="616465"/>
+            <a:ext cx="407773" cy="407773"/>
+          </a:xfrm>
+          <a:prstGeom prst="ellipse">
+            <a:avLst/>
+          </a:prstGeom>
+          <a:solidFill>
+            <a:srgbClr val="D9D9D9"/>
+          </a:solidFill>
+        </p:spPr>
+        <p:style>
+          <a:lnRef idx="2">
+            <a:schemeClr val="accent1">
+              <a:shade val="50000"/>
+            </a:schemeClr>
+          </a:lnRef>
+          <a:fillRef idx="1">
+            <a:schemeClr val="accent1"/>
+          </a:fillRef>
+          <a:effectRef idx="0">
+            <a:schemeClr val="accent1"/>
+          </a:effectRef>
+          <a:fontRef idx="minor">
+            <a:schemeClr val="lt1"/>
+          </a:fontRef>
+        </p:style>
+        <p:txBody>
+          <a:bodyPr rtlCol="0" anchor="ctr"/>
+          <a:lstStyle/>
+          <a:p>
+            <a:pPr algn="ctr"/>
+            <a:endParaRPr kumimoji="1" lang="ja-JP" altLang="en-US"/>
+          </a:p>
+        </p:txBody>
+      </p:sp>
+      <p:sp>
+        <p:nvSpPr>
+          <p:cNvPr id="24" name="正方形/長方形 23">
+            <a:extLst>
+              <a:ext uri="{FF2B5EF4-FFF2-40B4-BE49-F238E27FC236}">
+                <a16:creationId xmlns:a16="http://schemas.microsoft.com/office/drawing/2014/main" id="{7D30E472-EB33-47E1-B68F-9B6D47109593}"/>
+              </a:ext>
+            </a:extLst>
+          </p:cNvPr>
+          <p:cNvSpPr/>
+          <p:nvPr/>
+        </p:nvSpPr>
+        <p:spPr>
+          <a:xfrm>
+            <a:off x="8055180" y="779505"/>
+            <a:ext cx="3298620" cy="81692"/>
+          </a:xfrm>
+          <a:prstGeom prst="rect">
+            <a:avLst/>
+          </a:prstGeom>
+          <a:solidFill>
+            <a:srgbClr val="D9D9D9"/>
+          </a:solidFill>
+          <a:ln>
+            <a:noFill/>
+          </a:ln>
+        </p:spPr>
+        <p:style>
+          <a:lnRef idx="2">
+            <a:schemeClr val="accent1">
+              <a:shade val="50000"/>
+            </a:schemeClr>
+          </a:lnRef>
+          <a:fillRef idx="1">
+            <a:schemeClr val="accent1"/>
+          </a:fillRef>
+          <a:effectRef idx="0">
+            <a:schemeClr val="accent1"/>
+          </a:effectRef>
+          <a:fontRef idx="minor">
+            <a:schemeClr val="lt1"/>
+          </a:fontRef>
+        </p:style>
+        <p:txBody>
+          <a:bodyPr rtlCol="0" anchor="ctr"/>
+          <a:lstStyle/>
+          <a:p>
+            <a:pPr algn="ctr"/>
+            <a:endParaRPr kumimoji="1" lang="ja-JP" altLang="en-US"/>
+          </a:p>
+        </p:txBody>
+      </p:sp>
+      <p:sp>
+        <p:nvSpPr>
+          <p:cNvPr id="25" name="テキスト ボックス 24">
+            <a:extLst>
+              <a:ext uri="{FF2B5EF4-FFF2-40B4-BE49-F238E27FC236}">
+                <a16:creationId xmlns:a16="http://schemas.microsoft.com/office/drawing/2014/main" id="{ACBA27E1-487B-4E84-9794-1E512EB0EB68}"/>
+              </a:ext>
+            </a:extLst>
+          </p:cNvPr>
+          <p:cNvSpPr txBox="1"/>
+          <p:nvPr/>
+        </p:nvSpPr>
+        <p:spPr>
+          <a:xfrm>
+            <a:off x="7648833" y="204282"/>
+            <a:ext cx="1297460" cy="461665"/>
+          </a:xfrm>
+          <a:prstGeom prst="rect">
+            <a:avLst/>
+          </a:prstGeom>
+          <a:noFill/>
+        </p:spPr>
+        <p:txBody>
+          <a:bodyPr wrap="square" rtlCol="0">
+            <a:spAutoFit/>
+          </a:bodyPr>
+          <a:lstStyle/>
+          <a:p>
+            <a:r>
+              <a:rPr kumimoji="1" lang="en-US" altLang="ja-JP" sz="2400" b="1" dirty="0">
+                <a:solidFill>
+                  <a:schemeClr val="bg1"/>
+                </a:solidFill>
+              </a:rPr>
+              <a:t>Progress</a:t>
+            </a:r>
+            <a:endParaRPr kumimoji="1" lang="ja-JP" altLang="en-US" sz="2400" b="1" dirty="0">
+              <a:solidFill>
+                <a:schemeClr val="bg1"/>
+              </a:solidFill>
+            </a:endParaRPr>
+          </a:p>
+        </p:txBody>
+      </p:sp>
+      <p:sp>
+        <p:nvSpPr>
+          <p:cNvPr id="26" name="楕円 25">
+            <a:extLst>
+              <a:ext uri="{FF2B5EF4-FFF2-40B4-BE49-F238E27FC236}">
+                <a16:creationId xmlns:a16="http://schemas.microsoft.com/office/drawing/2014/main" id="{EAF42A61-9CDF-4C8A-BB3E-0E4AFE1C68B8}"/>
+              </a:ext>
+            </a:extLst>
+          </p:cNvPr>
+          <p:cNvSpPr/>
+          <p:nvPr/>
+        </p:nvSpPr>
+        <p:spPr>
+          <a:xfrm>
+            <a:off x="8763634" y="690605"/>
+            <a:ext cx="259492" cy="259492"/>
+          </a:xfrm>
+          <a:prstGeom prst="ellipse">
+            <a:avLst/>
+          </a:prstGeom>
+          <a:solidFill>
+            <a:schemeClr val="accent1">
+              <a:lumMod val="75000"/>
+            </a:schemeClr>
+          </a:solidFill>
+          <a:ln>
+            <a:noFill/>
+          </a:ln>
+        </p:spPr>
+        <p:style>
+          <a:lnRef idx="2">
+            <a:schemeClr val="accent1">
+              <a:shade val="50000"/>
+            </a:schemeClr>
+          </a:lnRef>
+          <a:fillRef idx="1">
+            <a:schemeClr val="accent1"/>
+          </a:fillRef>
+          <a:effectRef idx="0">
+            <a:schemeClr val="accent1"/>
+          </a:effectRef>
+          <a:fontRef idx="minor">
+            <a:schemeClr val="lt1"/>
+          </a:fontRef>
+        </p:style>
+        <p:txBody>
+          <a:bodyPr rtlCol="0" anchor="ctr"/>
+          <a:lstStyle/>
+          <a:p>
+            <a:pPr algn="ctr"/>
+            <a:endParaRPr kumimoji="1" lang="ja-JP" altLang="en-US"/>
+          </a:p>
+        </p:txBody>
+      </p:sp>
     </p:spTree>
     <p:extLst>
       <p:ext uri="{BB962C8B-B14F-4D97-AF65-F5344CB8AC3E}">
@@ -11637,6 +12879,401 @@
               <a:ea typeface="メイリオ" panose="020B0604030504040204" pitchFamily="50" charset="-128"/>
               <a:cs typeface="+mn-cs"/>
             </a:endParaRPr>
+          </a:p>
+        </p:txBody>
+      </p:sp>
+      <p:sp>
+        <p:nvSpPr>
+          <p:cNvPr id="19" name="楕円 18">
+            <a:extLst>
+              <a:ext uri="{FF2B5EF4-FFF2-40B4-BE49-F238E27FC236}">
+                <a16:creationId xmlns:a16="http://schemas.microsoft.com/office/drawing/2014/main" id="{9BBEA221-0460-440A-ABA9-CA668EFF3E87}"/>
+              </a:ext>
+            </a:extLst>
+          </p:cNvPr>
+          <p:cNvSpPr/>
+          <p:nvPr/>
+        </p:nvSpPr>
+        <p:spPr>
+          <a:xfrm>
+            <a:off x="7851294" y="616465"/>
+            <a:ext cx="407773" cy="407773"/>
+          </a:xfrm>
+          <a:prstGeom prst="ellipse">
+            <a:avLst/>
+          </a:prstGeom>
+          <a:solidFill>
+            <a:srgbClr val="D9D9D9"/>
+          </a:solidFill>
+        </p:spPr>
+        <p:style>
+          <a:lnRef idx="2">
+            <a:schemeClr val="accent1">
+              <a:shade val="50000"/>
+            </a:schemeClr>
+          </a:lnRef>
+          <a:fillRef idx="1">
+            <a:schemeClr val="accent1"/>
+          </a:fillRef>
+          <a:effectRef idx="0">
+            <a:schemeClr val="accent1"/>
+          </a:effectRef>
+          <a:fontRef idx="minor">
+            <a:schemeClr val="lt1"/>
+          </a:fontRef>
+        </p:style>
+        <p:txBody>
+          <a:bodyPr rtlCol="0" anchor="ctr"/>
+          <a:lstStyle/>
+          <a:p>
+            <a:pPr algn="ctr"/>
+            <a:endParaRPr kumimoji="1" lang="ja-JP" altLang="en-US"/>
+          </a:p>
+        </p:txBody>
+      </p:sp>
+      <p:sp>
+        <p:nvSpPr>
+          <p:cNvPr id="20" name="楕円 19">
+            <a:extLst>
+              <a:ext uri="{FF2B5EF4-FFF2-40B4-BE49-F238E27FC236}">
+                <a16:creationId xmlns:a16="http://schemas.microsoft.com/office/drawing/2014/main" id="{C434D1D4-4D37-499A-A2C8-124445D4BB59}"/>
+              </a:ext>
+            </a:extLst>
+          </p:cNvPr>
+          <p:cNvSpPr/>
+          <p:nvPr/>
+        </p:nvSpPr>
+        <p:spPr>
+          <a:xfrm>
+            <a:off x="8689494" y="616465"/>
+            <a:ext cx="407773" cy="407773"/>
+          </a:xfrm>
+          <a:prstGeom prst="ellipse">
+            <a:avLst/>
+          </a:prstGeom>
+          <a:solidFill>
+            <a:srgbClr val="D9D9D9"/>
+          </a:solidFill>
+        </p:spPr>
+        <p:style>
+          <a:lnRef idx="2">
+            <a:schemeClr val="accent1">
+              <a:shade val="50000"/>
+            </a:schemeClr>
+          </a:lnRef>
+          <a:fillRef idx="1">
+            <a:schemeClr val="accent1"/>
+          </a:fillRef>
+          <a:effectRef idx="0">
+            <a:schemeClr val="accent1"/>
+          </a:effectRef>
+          <a:fontRef idx="minor">
+            <a:schemeClr val="lt1"/>
+          </a:fontRef>
+        </p:style>
+        <p:txBody>
+          <a:bodyPr rtlCol="0" anchor="ctr"/>
+          <a:lstStyle/>
+          <a:p>
+            <a:pPr algn="ctr"/>
+            <a:endParaRPr kumimoji="1" lang="ja-JP" altLang="en-US"/>
+          </a:p>
+        </p:txBody>
+      </p:sp>
+      <p:sp>
+        <p:nvSpPr>
+          <p:cNvPr id="21" name="楕円 20">
+            <a:extLst>
+              <a:ext uri="{FF2B5EF4-FFF2-40B4-BE49-F238E27FC236}">
+                <a16:creationId xmlns:a16="http://schemas.microsoft.com/office/drawing/2014/main" id="{1772A5FB-5181-4946-A96D-7791DAB27F6C}"/>
+              </a:ext>
+            </a:extLst>
+          </p:cNvPr>
+          <p:cNvSpPr/>
+          <p:nvPr/>
+        </p:nvSpPr>
+        <p:spPr>
+          <a:xfrm>
+            <a:off x="9527694" y="616465"/>
+            <a:ext cx="407773" cy="407773"/>
+          </a:xfrm>
+          <a:prstGeom prst="ellipse">
+            <a:avLst/>
+          </a:prstGeom>
+          <a:solidFill>
+            <a:srgbClr val="D9D9D9"/>
+          </a:solidFill>
+        </p:spPr>
+        <p:style>
+          <a:lnRef idx="2">
+            <a:schemeClr val="accent1">
+              <a:shade val="50000"/>
+            </a:schemeClr>
+          </a:lnRef>
+          <a:fillRef idx="1">
+            <a:schemeClr val="accent1"/>
+          </a:fillRef>
+          <a:effectRef idx="0">
+            <a:schemeClr val="accent1"/>
+          </a:effectRef>
+          <a:fontRef idx="minor">
+            <a:schemeClr val="lt1"/>
+          </a:fontRef>
+        </p:style>
+        <p:txBody>
+          <a:bodyPr rtlCol="0" anchor="ctr"/>
+          <a:lstStyle/>
+          <a:p>
+            <a:pPr algn="ctr"/>
+            <a:endParaRPr kumimoji="1" lang="ja-JP" altLang="en-US"/>
+          </a:p>
+        </p:txBody>
+      </p:sp>
+      <p:sp>
+        <p:nvSpPr>
+          <p:cNvPr id="22" name="楕円 21">
+            <a:extLst>
+              <a:ext uri="{FF2B5EF4-FFF2-40B4-BE49-F238E27FC236}">
+                <a16:creationId xmlns:a16="http://schemas.microsoft.com/office/drawing/2014/main" id="{70F01464-EE4E-42D9-91F2-76B957EDE83C}"/>
+              </a:ext>
+            </a:extLst>
+          </p:cNvPr>
+          <p:cNvSpPr/>
+          <p:nvPr/>
+        </p:nvSpPr>
+        <p:spPr>
+          <a:xfrm>
+            <a:off x="10365894" y="616465"/>
+            <a:ext cx="407773" cy="407773"/>
+          </a:xfrm>
+          <a:prstGeom prst="ellipse">
+            <a:avLst/>
+          </a:prstGeom>
+          <a:solidFill>
+            <a:srgbClr val="D9D9D9"/>
+          </a:solidFill>
+        </p:spPr>
+        <p:style>
+          <a:lnRef idx="2">
+            <a:schemeClr val="accent1">
+              <a:shade val="50000"/>
+            </a:schemeClr>
+          </a:lnRef>
+          <a:fillRef idx="1">
+            <a:schemeClr val="accent1"/>
+          </a:fillRef>
+          <a:effectRef idx="0">
+            <a:schemeClr val="accent1"/>
+          </a:effectRef>
+          <a:fontRef idx="minor">
+            <a:schemeClr val="lt1"/>
+          </a:fontRef>
+        </p:style>
+        <p:txBody>
+          <a:bodyPr rtlCol="0" anchor="ctr"/>
+          <a:lstStyle/>
+          <a:p>
+            <a:pPr algn="ctr"/>
+            <a:endParaRPr kumimoji="1" lang="ja-JP" altLang="en-US"/>
+          </a:p>
+        </p:txBody>
+      </p:sp>
+      <p:sp>
+        <p:nvSpPr>
+          <p:cNvPr id="23" name="楕円 22">
+            <a:extLst>
+              <a:ext uri="{FF2B5EF4-FFF2-40B4-BE49-F238E27FC236}">
+                <a16:creationId xmlns:a16="http://schemas.microsoft.com/office/drawing/2014/main" id="{CC28AE27-5257-4115-9AB4-4DAB8D499EC8}"/>
+              </a:ext>
+            </a:extLst>
+          </p:cNvPr>
+          <p:cNvSpPr/>
+          <p:nvPr/>
+        </p:nvSpPr>
+        <p:spPr>
+          <a:xfrm>
+            <a:off x="11204094" y="616465"/>
+            <a:ext cx="407773" cy="407773"/>
+          </a:xfrm>
+          <a:prstGeom prst="ellipse">
+            <a:avLst/>
+          </a:prstGeom>
+          <a:solidFill>
+            <a:srgbClr val="D9D9D9"/>
+          </a:solidFill>
+        </p:spPr>
+        <p:style>
+          <a:lnRef idx="2">
+            <a:schemeClr val="accent1">
+              <a:shade val="50000"/>
+            </a:schemeClr>
+          </a:lnRef>
+          <a:fillRef idx="1">
+            <a:schemeClr val="accent1"/>
+          </a:fillRef>
+          <a:effectRef idx="0">
+            <a:schemeClr val="accent1"/>
+          </a:effectRef>
+          <a:fontRef idx="minor">
+            <a:schemeClr val="lt1"/>
+          </a:fontRef>
+        </p:style>
+        <p:txBody>
+          <a:bodyPr rtlCol="0" anchor="ctr"/>
+          <a:lstStyle/>
+          <a:p>
+            <a:pPr algn="ctr"/>
+            <a:endParaRPr kumimoji="1" lang="ja-JP" altLang="en-US"/>
+          </a:p>
+        </p:txBody>
+      </p:sp>
+      <p:sp>
+        <p:nvSpPr>
+          <p:cNvPr id="24" name="正方形/長方形 23">
+            <a:extLst>
+              <a:ext uri="{FF2B5EF4-FFF2-40B4-BE49-F238E27FC236}">
+                <a16:creationId xmlns:a16="http://schemas.microsoft.com/office/drawing/2014/main" id="{EF53EDA4-823A-4AC3-A8E7-8B2C8402274B}"/>
+              </a:ext>
+            </a:extLst>
+          </p:cNvPr>
+          <p:cNvSpPr/>
+          <p:nvPr/>
+        </p:nvSpPr>
+        <p:spPr>
+          <a:xfrm>
+            <a:off x="8055180" y="779505"/>
+            <a:ext cx="3298620" cy="81692"/>
+          </a:xfrm>
+          <a:prstGeom prst="rect">
+            <a:avLst/>
+          </a:prstGeom>
+          <a:solidFill>
+            <a:srgbClr val="D9D9D9"/>
+          </a:solidFill>
+          <a:ln>
+            <a:noFill/>
+          </a:ln>
+        </p:spPr>
+        <p:style>
+          <a:lnRef idx="2">
+            <a:schemeClr val="accent1">
+              <a:shade val="50000"/>
+            </a:schemeClr>
+          </a:lnRef>
+          <a:fillRef idx="1">
+            <a:schemeClr val="accent1"/>
+          </a:fillRef>
+          <a:effectRef idx="0">
+            <a:schemeClr val="accent1"/>
+          </a:effectRef>
+          <a:fontRef idx="minor">
+            <a:schemeClr val="lt1"/>
+          </a:fontRef>
+        </p:style>
+        <p:txBody>
+          <a:bodyPr rtlCol="0" anchor="ctr"/>
+          <a:lstStyle/>
+          <a:p>
+            <a:pPr algn="ctr"/>
+            <a:endParaRPr kumimoji="1" lang="ja-JP" altLang="en-US"/>
+          </a:p>
+        </p:txBody>
+      </p:sp>
+      <p:sp>
+        <p:nvSpPr>
+          <p:cNvPr id="25" name="テキスト ボックス 24">
+            <a:extLst>
+              <a:ext uri="{FF2B5EF4-FFF2-40B4-BE49-F238E27FC236}">
+                <a16:creationId xmlns:a16="http://schemas.microsoft.com/office/drawing/2014/main" id="{7776FE77-68C1-46E9-8D9A-34247145339A}"/>
+              </a:ext>
+            </a:extLst>
+          </p:cNvPr>
+          <p:cNvSpPr txBox="1"/>
+          <p:nvPr/>
+        </p:nvSpPr>
+        <p:spPr>
+          <a:xfrm>
+            <a:off x="7648833" y="204282"/>
+            <a:ext cx="1297460" cy="461665"/>
+          </a:xfrm>
+          <a:prstGeom prst="rect">
+            <a:avLst/>
+          </a:prstGeom>
+          <a:noFill/>
+        </p:spPr>
+        <p:txBody>
+          <a:bodyPr wrap="square" rtlCol="0">
+            <a:spAutoFit/>
+          </a:bodyPr>
+          <a:lstStyle/>
+          <a:p>
+            <a:r>
+              <a:rPr kumimoji="1" lang="en-US" altLang="ja-JP" sz="2400" b="1" dirty="0">
+                <a:solidFill>
+                  <a:schemeClr val="bg1"/>
+                </a:solidFill>
+              </a:rPr>
+              <a:t>Progress</a:t>
+            </a:r>
+            <a:endParaRPr kumimoji="1" lang="ja-JP" altLang="en-US" sz="2400" b="1" dirty="0">
+              <a:solidFill>
+                <a:schemeClr val="bg1"/>
+              </a:solidFill>
+            </a:endParaRPr>
+          </a:p>
+        </p:txBody>
+      </p:sp>
+      <p:sp>
+        <p:nvSpPr>
+          <p:cNvPr id="26" name="楕円 25">
+            <a:extLst>
+              <a:ext uri="{FF2B5EF4-FFF2-40B4-BE49-F238E27FC236}">
+                <a16:creationId xmlns:a16="http://schemas.microsoft.com/office/drawing/2014/main" id="{CC6C4037-A50A-4AC1-9A8C-4B4256CFEC4A}"/>
+              </a:ext>
+            </a:extLst>
+          </p:cNvPr>
+          <p:cNvSpPr/>
+          <p:nvPr/>
+        </p:nvSpPr>
+        <p:spPr>
+          <a:xfrm>
+            <a:off x="8763634" y="690605"/>
+            <a:ext cx="259492" cy="259492"/>
+          </a:xfrm>
+          <a:prstGeom prst="ellipse">
+            <a:avLst/>
+          </a:prstGeom>
+          <a:solidFill>
+            <a:schemeClr val="accent1">
+              <a:lumMod val="75000"/>
+            </a:schemeClr>
+          </a:solidFill>
+          <a:ln>
+            <a:noFill/>
+          </a:ln>
+        </p:spPr>
+        <p:style>
+          <a:lnRef idx="2">
+            <a:schemeClr val="accent1">
+              <a:shade val="50000"/>
+            </a:schemeClr>
+          </a:lnRef>
+          <a:fillRef idx="1">
+            <a:schemeClr val="accent1"/>
+          </a:fillRef>
+          <a:effectRef idx="0">
+            <a:schemeClr val="accent1"/>
+          </a:effectRef>
+          <a:fontRef idx="minor">
+            <a:schemeClr val="lt1"/>
+          </a:fontRef>
+        </p:style>
+        <p:txBody>
+          <a:bodyPr rtlCol="0" anchor="ctr"/>
+          <a:lstStyle/>
+          <a:p>
+            <a:pPr algn="ctr"/>
+            <a:endParaRPr kumimoji="1" lang="ja-JP" altLang="en-US"/>
           </a:p>
         </p:txBody>
       </p:sp>
@@ -14281,6 +15918,401 @@
           </a:p>
         </p:txBody>
       </p:sp>
+      <p:sp>
+        <p:nvSpPr>
+          <p:cNvPr id="19" name="楕円 18">
+            <a:extLst>
+              <a:ext uri="{FF2B5EF4-FFF2-40B4-BE49-F238E27FC236}">
+                <a16:creationId xmlns:a16="http://schemas.microsoft.com/office/drawing/2014/main" id="{29D702FD-5E3B-4145-8280-C3303C54C4AE}"/>
+              </a:ext>
+            </a:extLst>
+          </p:cNvPr>
+          <p:cNvSpPr/>
+          <p:nvPr/>
+        </p:nvSpPr>
+        <p:spPr>
+          <a:xfrm>
+            <a:off x="7851294" y="616465"/>
+            <a:ext cx="407773" cy="407773"/>
+          </a:xfrm>
+          <a:prstGeom prst="ellipse">
+            <a:avLst/>
+          </a:prstGeom>
+          <a:solidFill>
+            <a:srgbClr val="D9D9D9"/>
+          </a:solidFill>
+        </p:spPr>
+        <p:style>
+          <a:lnRef idx="2">
+            <a:schemeClr val="accent1">
+              <a:shade val="50000"/>
+            </a:schemeClr>
+          </a:lnRef>
+          <a:fillRef idx="1">
+            <a:schemeClr val="accent1"/>
+          </a:fillRef>
+          <a:effectRef idx="0">
+            <a:schemeClr val="accent1"/>
+          </a:effectRef>
+          <a:fontRef idx="minor">
+            <a:schemeClr val="lt1"/>
+          </a:fontRef>
+        </p:style>
+        <p:txBody>
+          <a:bodyPr rtlCol="0" anchor="ctr"/>
+          <a:lstStyle/>
+          <a:p>
+            <a:pPr algn="ctr"/>
+            <a:endParaRPr kumimoji="1" lang="ja-JP" altLang="en-US"/>
+          </a:p>
+        </p:txBody>
+      </p:sp>
+      <p:sp>
+        <p:nvSpPr>
+          <p:cNvPr id="20" name="楕円 19">
+            <a:extLst>
+              <a:ext uri="{FF2B5EF4-FFF2-40B4-BE49-F238E27FC236}">
+                <a16:creationId xmlns:a16="http://schemas.microsoft.com/office/drawing/2014/main" id="{9F2006FF-1521-415D-9BB7-B21EE0A8731B}"/>
+              </a:ext>
+            </a:extLst>
+          </p:cNvPr>
+          <p:cNvSpPr/>
+          <p:nvPr/>
+        </p:nvSpPr>
+        <p:spPr>
+          <a:xfrm>
+            <a:off x="8689494" y="616465"/>
+            <a:ext cx="407773" cy="407773"/>
+          </a:xfrm>
+          <a:prstGeom prst="ellipse">
+            <a:avLst/>
+          </a:prstGeom>
+          <a:solidFill>
+            <a:srgbClr val="D9D9D9"/>
+          </a:solidFill>
+        </p:spPr>
+        <p:style>
+          <a:lnRef idx="2">
+            <a:schemeClr val="accent1">
+              <a:shade val="50000"/>
+            </a:schemeClr>
+          </a:lnRef>
+          <a:fillRef idx="1">
+            <a:schemeClr val="accent1"/>
+          </a:fillRef>
+          <a:effectRef idx="0">
+            <a:schemeClr val="accent1"/>
+          </a:effectRef>
+          <a:fontRef idx="minor">
+            <a:schemeClr val="lt1"/>
+          </a:fontRef>
+        </p:style>
+        <p:txBody>
+          <a:bodyPr rtlCol="0" anchor="ctr"/>
+          <a:lstStyle/>
+          <a:p>
+            <a:pPr algn="ctr"/>
+            <a:endParaRPr kumimoji="1" lang="ja-JP" altLang="en-US"/>
+          </a:p>
+        </p:txBody>
+      </p:sp>
+      <p:sp>
+        <p:nvSpPr>
+          <p:cNvPr id="21" name="楕円 20">
+            <a:extLst>
+              <a:ext uri="{FF2B5EF4-FFF2-40B4-BE49-F238E27FC236}">
+                <a16:creationId xmlns:a16="http://schemas.microsoft.com/office/drawing/2014/main" id="{6E6A771B-4A38-4317-A533-894F36A9E481}"/>
+              </a:ext>
+            </a:extLst>
+          </p:cNvPr>
+          <p:cNvSpPr/>
+          <p:nvPr/>
+        </p:nvSpPr>
+        <p:spPr>
+          <a:xfrm>
+            <a:off x="9527694" y="616465"/>
+            <a:ext cx="407773" cy="407773"/>
+          </a:xfrm>
+          <a:prstGeom prst="ellipse">
+            <a:avLst/>
+          </a:prstGeom>
+          <a:solidFill>
+            <a:srgbClr val="D9D9D9"/>
+          </a:solidFill>
+        </p:spPr>
+        <p:style>
+          <a:lnRef idx="2">
+            <a:schemeClr val="accent1">
+              <a:shade val="50000"/>
+            </a:schemeClr>
+          </a:lnRef>
+          <a:fillRef idx="1">
+            <a:schemeClr val="accent1"/>
+          </a:fillRef>
+          <a:effectRef idx="0">
+            <a:schemeClr val="accent1"/>
+          </a:effectRef>
+          <a:fontRef idx="minor">
+            <a:schemeClr val="lt1"/>
+          </a:fontRef>
+        </p:style>
+        <p:txBody>
+          <a:bodyPr rtlCol="0" anchor="ctr"/>
+          <a:lstStyle/>
+          <a:p>
+            <a:pPr algn="ctr"/>
+            <a:endParaRPr kumimoji="1" lang="ja-JP" altLang="en-US"/>
+          </a:p>
+        </p:txBody>
+      </p:sp>
+      <p:sp>
+        <p:nvSpPr>
+          <p:cNvPr id="22" name="楕円 21">
+            <a:extLst>
+              <a:ext uri="{FF2B5EF4-FFF2-40B4-BE49-F238E27FC236}">
+                <a16:creationId xmlns:a16="http://schemas.microsoft.com/office/drawing/2014/main" id="{14E763CB-7DD4-4A81-BE73-A58D9BD09928}"/>
+              </a:ext>
+            </a:extLst>
+          </p:cNvPr>
+          <p:cNvSpPr/>
+          <p:nvPr/>
+        </p:nvSpPr>
+        <p:spPr>
+          <a:xfrm>
+            <a:off x="10365894" y="616465"/>
+            <a:ext cx="407773" cy="407773"/>
+          </a:xfrm>
+          <a:prstGeom prst="ellipse">
+            <a:avLst/>
+          </a:prstGeom>
+          <a:solidFill>
+            <a:srgbClr val="D9D9D9"/>
+          </a:solidFill>
+        </p:spPr>
+        <p:style>
+          <a:lnRef idx="2">
+            <a:schemeClr val="accent1">
+              <a:shade val="50000"/>
+            </a:schemeClr>
+          </a:lnRef>
+          <a:fillRef idx="1">
+            <a:schemeClr val="accent1"/>
+          </a:fillRef>
+          <a:effectRef idx="0">
+            <a:schemeClr val="accent1"/>
+          </a:effectRef>
+          <a:fontRef idx="minor">
+            <a:schemeClr val="lt1"/>
+          </a:fontRef>
+        </p:style>
+        <p:txBody>
+          <a:bodyPr rtlCol="0" anchor="ctr"/>
+          <a:lstStyle/>
+          <a:p>
+            <a:pPr algn="ctr"/>
+            <a:endParaRPr kumimoji="1" lang="ja-JP" altLang="en-US"/>
+          </a:p>
+        </p:txBody>
+      </p:sp>
+      <p:sp>
+        <p:nvSpPr>
+          <p:cNvPr id="23" name="楕円 22">
+            <a:extLst>
+              <a:ext uri="{FF2B5EF4-FFF2-40B4-BE49-F238E27FC236}">
+                <a16:creationId xmlns:a16="http://schemas.microsoft.com/office/drawing/2014/main" id="{18FD03A7-81EB-483E-AD88-32DC261C42CA}"/>
+              </a:ext>
+            </a:extLst>
+          </p:cNvPr>
+          <p:cNvSpPr/>
+          <p:nvPr/>
+        </p:nvSpPr>
+        <p:spPr>
+          <a:xfrm>
+            <a:off x="11204094" y="616465"/>
+            <a:ext cx="407773" cy="407773"/>
+          </a:xfrm>
+          <a:prstGeom prst="ellipse">
+            <a:avLst/>
+          </a:prstGeom>
+          <a:solidFill>
+            <a:srgbClr val="D9D9D9"/>
+          </a:solidFill>
+        </p:spPr>
+        <p:style>
+          <a:lnRef idx="2">
+            <a:schemeClr val="accent1">
+              <a:shade val="50000"/>
+            </a:schemeClr>
+          </a:lnRef>
+          <a:fillRef idx="1">
+            <a:schemeClr val="accent1"/>
+          </a:fillRef>
+          <a:effectRef idx="0">
+            <a:schemeClr val="accent1"/>
+          </a:effectRef>
+          <a:fontRef idx="minor">
+            <a:schemeClr val="lt1"/>
+          </a:fontRef>
+        </p:style>
+        <p:txBody>
+          <a:bodyPr rtlCol="0" anchor="ctr"/>
+          <a:lstStyle/>
+          <a:p>
+            <a:pPr algn="ctr"/>
+            <a:endParaRPr kumimoji="1" lang="ja-JP" altLang="en-US"/>
+          </a:p>
+        </p:txBody>
+      </p:sp>
+      <p:sp>
+        <p:nvSpPr>
+          <p:cNvPr id="24" name="正方形/長方形 23">
+            <a:extLst>
+              <a:ext uri="{FF2B5EF4-FFF2-40B4-BE49-F238E27FC236}">
+                <a16:creationId xmlns:a16="http://schemas.microsoft.com/office/drawing/2014/main" id="{002CC9B1-493F-488E-AC44-F930E7096B34}"/>
+              </a:ext>
+            </a:extLst>
+          </p:cNvPr>
+          <p:cNvSpPr/>
+          <p:nvPr/>
+        </p:nvSpPr>
+        <p:spPr>
+          <a:xfrm>
+            <a:off x="8055180" y="779505"/>
+            <a:ext cx="3298620" cy="81692"/>
+          </a:xfrm>
+          <a:prstGeom prst="rect">
+            <a:avLst/>
+          </a:prstGeom>
+          <a:solidFill>
+            <a:srgbClr val="D9D9D9"/>
+          </a:solidFill>
+          <a:ln>
+            <a:noFill/>
+          </a:ln>
+        </p:spPr>
+        <p:style>
+          <a:lnRef idx="2">
+            <a:schemeClr val="accent1">
+              <a:shade val="50000"/>
+            </a:schemeClr>
+          </a:lnRef>
+          <a:fillRef idx="1">
+            <a:schemeClr val="accent1"/>
+          </a:fillRef>
+          <a:effectRef idx="0">
+            <a:schemeClr val="accent1"/>
+          </a:effectRef>
+          <a:fontRef idx="minor">
+            <a:schemeClr val="lt1"/>
+          </a:fontRef>
+        </p:style>
+        <p:txBody>
+          <a:bodyPr rtlCol="0" anchor="ctr"/>
+          <a:lstStyle/>
+          <a:p>
+            <a:pPr algn="ctr"/>
+            <a:endParaRPr kumimoji="1" lang="ja-JP" altLang="en-US"/>
+          </a:p>
+        </p:txBody>
+      </p:sp>
+      <p:sp>
+        <p:nvSpPr>
+          <p:cNvPr id="25" name="テキスト ボックス 24">
+            <a:extLst>
+              <a:ext uri="{FF2B5EF4-FFF2-40B4-BE49-F238E27FC236}">
+                <a16:creationId xmlns:a16="http://schemas.microsoft.com/office/drawing/2014/main" id="{EF0946AF-0781-47D9-B7D9-B21FA3974168}"/>
+              </a:ext>
+            </a:extLst>
+          </p:cNvPr>
+          <p:cNvSpPr txBox="1"/>
+          <p:nvPr/>
+        </p:nvSpPr>
+        <p:spPr>
+          <a:xfrm>
+            <a:off x="7648833" y="204282"/>
+            <a:ext cx="1297460" cy="461665"/>
+          </a:xfrm>
+          <a:prstGeom prst="rect">
+            <a:avLst/>
+          </a:prstGeom>
+          <a:noFill/>
+        </p:spPr>
+        <p:txBody>
+          <a:bodyPr wrap="square" rtlCol="0">
+            <a:spAutoFit/>
+          </a:bodyPr>
+          <a:lstStyle/>
+          <a:p>
+            <a:r>
+              <a:rPr kumimoji="1" lang="en-US" altLang="ja-JP" sz="2400" b="1" dirty="0">
+                <a:solidFill>
+                  <a:schemeClr val="bg1"/>
+                </a:solidFill>
+              </a:rPr>
+              <a:t>Progress</a:t>
+            </a:r>
+            <a:endParaRPr kumimoji="1" lang="ja-JP" altLang="en-US" sz="2400" b="1" dirty="0">
+              <a:solidFill>
+                <a:schemeClr val="bg1"/>
+              </a:solidFill>
+            </a:endParaRPr>
+          </a:p>
+        </p:txBody>
+      </p:sp>
+      <p:sp>
+        <p:nvSpPr>
+          <p:cNvPr id="26" name="楕円 25">
+            <a:extLst>
+              <a:ext uri="{FF2B5EF4-FFF2-40B4-BE49-F238E27FC236}">
+                <a16:creationId xmlns:a16="http://schemas.microsoft.com/office/drawing/2014/main" id="{DE97A435-2BDD-47FE-8529-F6AC8CA9D4B0}"/>
+              </a:ext>
+            </a:extLst>
+          </p:cNvPr>
+          <p:cNvSpPr/>
+          <p:nvPr/>
+        </p:nvSpPr>
+        <p:spPr>
+          <a:xfrm>
+            <a:off x="9601834" y="690605"/>
+            <a:ext cx="259492" cy="259492"/>
+          </a:xfrm>
+          <a:prstGeom prst="ellipse">
+            <a:avLst/>
+          </a:prstGeom>
+          <a:solidFill>
+            <a:schemeClr val="accent1">
+              <a:lumMod val="75000"/>
+            </a:schemeClr>
+          </a:solidFill>
+          <a:ln>
+            <a:noFill/>
+          </a:ln>
+        </p:spPr>
+        <p:style>
+          <a:lnRef idx="2">
+            <a:schemeClr val="accent1">
+              <a:shade val="50000"/>
+            </a:schemeClr>
+          </a:lnRef>
+          <a:fillRef idx="1">
+            <a:schemeClr val="accent1"/>
+          </a:fillRef>
+          <a:effectRef idx="0">
+            <a:schemeClr val="accent1"/>
+          </a:effectRef>
+          <a:fontRef idx="minor">
+            <a:schemeClr val="lt1"/>
+          </a:fontRef>
+        </p:style>
+        <p:txBody>
+          <a:bodyPr rtlCol="0" anchor="ctr"/>
+          <a:lstStyle/>
+          <a:p>
+            <a:pPr algn="ctr"/>
+            <a:endParaRPr kumimoji="1" lang="ja-JP" altLang="en-US"/>
+          </a:p>
+        </p:txBody>
+      </p:sp>
     </p:spTree>
     <p:extLst>
       <p:ext uri="{BB962C8B-B14F-4D97-AF65-F5344CB8AC3E}">
@@ -16926,6 +18958,401 @@
               <a:ea typeface="メイリオ" panose="020B0604030504040204" pitchFamily="50" charset="-128"/>
               <a:cs typeface="+mn-cs"/>
             </a:endParaRPr>
+          </a:p>
+        </p:txBody>
+      </p:sp>
+      <p:sp>
+        <p:nvSpPr>
+          <p:cNvPr id="19" name="楕円 18">
+            <a:extLst>
+              <a:ext uri="{FF2B5EF4-FFF2-40B4-BE49-F238E27FC236}">
+                <a16:creationId xmlns:a16="http://schemas.microsoft.com/office/drawing/2014/main" id="{29F13F0A-1726-496C-B6CD-78A17E0B00B5}"/>
+              </a:ext>
+            </a:extLst>
+          </p:cNvPr>
+          <p:cNvSpPr/>
+          <p:nvPr/>
+        </p:nvSpPr>
+        <p:spPr>
+          <a:xfrm>
+            <a:off x="7851294" y="616465"/>
+            <a:ext cx="407773" cy="407773"/>
+          </a:xfrm>
+          <a:prstGeom prst="ellipse">
+            <a:avLst/>
+          </a:prstGeom>
+          <a:solidFill>
+            <a:srgbClr val="D9D9D9"/>
+          </a:solidFill>
+        </p:spPr>
+        <p:style>
+          <a:lnRef idx="2">
+            <a:schemeClr val="accent1">
+              <a:shade val="50000"/>
+            </a:schemeClr>
+          </a:lnRef>
+          <a:fillRef idx="1">
+            <a:schemeClr val="accent1"/>
+          </a:fillRef>
+          <a:effectRef idx="0">
+            <a:schemeClr val="accent1"/>
+          </a:effectRef>
+          <a:fontRef idx="minor">
+            <a:schemeClr val="lt1"/>
+          </a:fontRef>
+        </p:style>
+        <p:txBody>
+          <a:bodyPr rtlCol="0" anchor="ctr"/>
+          <a:lstStyle/>
+          <a:p>
+            <a:pPr algn="ctr"/>
+            <a:endParaRPr kumimoji="1" lang="ja-JP" altLang="en-US"/>
+          </a:p>
+        </p:txBody>
+      </p:sp>
+      <p:sp>
+        <p:nvSpPr>
+          <p:cNvPr id="20" name="楕円 19">
+            <a:extLst>
+              <a:ext uri="{FF2B5EF4-FFF2-40B4-BE49-F238E27FC236}">
+                <a16:creationId xmlns:a16="http://schemas.microsoft.com/office/drawing/2014/main" id="{7C3E27CB-5081-4E81-A96D-C321AA92A563}"/>
+              </a:ext>
+            </a:extLst>
+          </p:cNvPr>
+          <p:cNvSpPr/>
+          <p:nvPr/>
+        </p:nvSpPr>
+        <p:spPr>
+          <a:xfrm>
+            <a:off x="8689494" y="616465"/>
+            <a:ext cx="407773" cy="407773"/>
+          </a:xfrm>
+          <a:prstGeom prst="ellipse">
+            <a:avLst/>
+          </a:prstGeom>
+          <a:solidFill>
+            <a:srgbClr val="D9D9D9"/>
+          </a:solidFill>
+        </p:spPr>
+        <p:style>
+          <a:lnRef idx="2">
+            <a:schemeClr val="accent1">
+              <a:shade val="50000"/>
+            </a:schemeClr>
+          </a:lnRef>
+          <a:fillRef idx="1">
+            <a:schemeClr val="accent1"/>
+          </a:fillRef>
+          <a:effectRef idx="0">
+            <a:schemeClr val="accent1"/>
+          </a:effectRef>
+          <a:fontRef idx="minor">
+            <a:schemeClr val="lt1"/>
+          </a:fontRef>
+        </p:style>
+        <p:txBody>
+          <a:bodyPr rtlCol="0" anchor="ctr"/>
+          <a:lstStyle/>
+          <a:p>
+            <a:pPr algn="ctr"/>
+            <a:endParaRPr kumimoji="1" lang="ja-JP" altLang="en-US"/>
+          </a:p>
+        </p:txBody>
+      </p:sp>
+      <p:sp>
+        <p:nvSpPr>
+          <p:cNvPr id="21" name="楕円 20">
+            <a:extLst>
+              <a:ext uri="{FF2B5EF4-FFF2-40B4-BE49-F238E27FC236}">
+                <a16:creationId xmlns:a16="http://schemas.microsoft.com/office/drawing/2014/main" id="{F3B4F04B-A2AF-4EEB-92C0-534C60E71838}"/>
+              </a:ext>
+            </a:extLst>
+          </p:cNvPr>
+          <p:cNvSpPr/>
+          <p:nvPr/>
+        </p:nvSpPr>
+        <p:spPr>
+          <a:xfrm>
+            <a:off x="9527694" y="616465"/>
+            <a:ext cx="407773" cy="407773"/>
+          </a:xfrm>
+          <a:prstGeom prst="ellipse">
+            <a:avLst/>
+          </a:prstGeom>
+          <a:solidFill>
+            <a:srgbClr val="D9D9D9"/>
+          </a:solidFill>
+        </p:spPr>
+        <p:style>
+          <a:lnRef idx="2">
+            <a:schemeClr val="accent1">
+              <a:shade val="50000"/>
+            </a:schemeClr>
+          </a:lnRef>
+          <a:fillRef idx="1">
+            <a:schemeClr val="accent1"/>
+          </a:fillRef>
+          <a:effectRef idx="0">
+            <a:schemeClr val="accent1"/>
+          </a:effectRef>
+          <a:fontRef idx="minor">
+            <a:schemeClr val="lt1"/>
+          </a:fontRef>
+        </p:style>
+        <p:txBody>
+          <a:bodyPr rtlCol="0" anchor="ctr"/>
+          <a:lstStyle/>
+          <a:p>
+            <a:pPr algn="ctr"/>
+            <a:endParaRPr kumimoji="1" lang="ja-JP" altLang="en-US"/>
+          </a:p>
+        </p:txBody>
+      </p:sp>
+      <p:sp>
+        <p:nvSpPr>
+          <p:cNvPr id="22" name="楕円 21">
+            <a:extLst>
+              <a:ext uri="{FF2B5EF4-FFF2-40B4-BE49-F238E27FC236}">
+                <a16:creationId xmlns:a16="http://schemas.microsoft.com/office/drawing/2014/main" id="{2B30FAA2-2A67-483C-9BE3-2A8EB52351FD}"/>
+              </a:ext>
+            </a:extLst>
+          </p:cNvPr>
+          <p:cNvSpPr/>
+          <p:nvPr/>
+        </p:nvSpPr>
+        <p:spPr>
+          <a:xfrm>
+            <a:off x="10365894" y="616465"/>
+            <a:ext cx="407773" cy="407773"/>
+          </a:xfrm>
+          <a:prstGeom prst="ellipse">
+            <a:avLst/>
+          </a:prstGeom>
+          <a:solidFill>
+            <a:srgbClr val="D9D9D9"/>
+          </a:solidFill>
+        </p:spPr>
+        <p:style>
+          <a:lnRef idx="2">
+            <a:schemeClr val="accent1">
+              <a:shade val="50000"/>
+            </a:schemeClr>
+          </a:lnRef>
+          <a:fillRef idx="1">
+            <a:schemeClr val="accent1"/>
+          </a:fillRef>
+          <a:effectRef idx="0">
+            <a:schemeClr val="accent1"/>
+          </a:effectRef>
+          <a:fontRef idx="minor">
+            <a:schemeClr val="lt1"/>
+          </a:fontRef>
+        </p:style>
+        <p:txBody>
+          <a:bodyPr rtlCol="0" anchor="ctr"/>
+          <a:lstStyle/>
+          <a:p>
+            <a:pPr algn="ctr"/>
+            <a:endParaRPr kumimoji="1" lang="ja-JP" altLang="en-US"/>
+          </a:p>
+        </p:txBody>
+      </p:sp>
+      <p:sp>
+        <p:nvSpPr>
+          <p:cNvPr id="23" name="楕円 22">
+            <a:extLst>
+              <a:ext uri="{FF2B5EF4-FFF2-40B4-BE49-F238E27FC236}">
+                <a16:creationId xmlns:a16="http://schemas.microsoft.com/office/drawing/2014/main" id="{A5B144D7-E4BD-422B-8709-D6B2A607E489}"/>
+              </a:ext>
+            </a:extLst>
+          </p:cNvPr>
+          <p:cNvSpPr/>
+          <p:nvPr/>
+        </p:nvSpPr>
+        <p:spPr>
+          <a:xfrm>
+            <a:off x="11204094" y="616465"/>
+            <a:ext cx="407773" cy="407773"/>
+          </a:xfrm>
+          <a:prstGeom prst="ellipse">
+            <a:avLst/>
+          </a:prstGeom>
+          <a:solidFill>
+            <a:srgbClr val="D9D9D9"/>
+          </a:solidFill>
+        </p:spPr>
+        <p:style>
+          <a:lnRef idx="2">
+            <a:schemeClr val="accent1">
+              <a:shade val="50000"/>
+            </a:schemeClr>
+          </a:lnRef>
+          <a:fillRef idx="1">
+            <a:schemeClr val="accent1"/>
+          </a:fillRef>
+          <a:effectRef idx="0">
+            <a:schemeClr val="accent1"/>
+          </a:effectRef>
+          <a:fontRef idx="minor">
+            <a:schemeClr val="lt1"/>
+          </a:fontRef>
+        </p:style>
+        <p:txBody>
+          <a:bodyPr rtlCol="0" anchor="ctr"/>
+          <a:lstStyle/>
+          <a:p>
+            <a:pPr algn="ctr"/>
+            <a:endParaRPr kumimoji="1" lang="ja-JP" altLang="en-US"/>
+          </a:p>
+        </p:txBody>
+      </p:sp>
+      <p:sp>
+        <p:nvSpPr>
+          <p:cNvPr id="24" name="正方形/長方形 23">
+            <a:extLst>
+              <a:ext uri="{FF2B5EF4-FFF2-40B4-BE49-F238E27FC236}">
+                <a16:creationId xmlns:a16="http://schemas.microsoft.com/office/drawing/2014/main" id="{EFC2A1F0-7E1B-4239-9365-8EB7E4C37B0C}"/>
+              </a:ext>
+            </a:extLst>
+          </p:cNvPr>
+          <p:cNvSpPr/>
+          <p:nvPr/>
+        </p:nvSpPr>
+        <p:spPr>
+          <a:xfrm>
+            <a:off x="8055180" y="779505"/>
+            <a:ext cx="3298620" cy="81692"/>
+          </a:xfrm>
+          <a:prstGeom prst="rect">
+            <a:avLst/>
+          </a:prstGeom>
+          <a:solidFill>
+            <a:srgbClr val="D9D9D9"/>
+          </a:solidFill>
+          <a:ln>
+            <a:noFill/>
+          </a:ln>
+        </p:spPr>
+        <p:style>
+          <a:lnRef idx="2">
+            <a:schemeClr val="accent1">
+              <a:shade val="50000"/>
+            </a:schemeClr>
+          </a:lnRef>
+          <a:fillRef idx="1">
+            <a:schemeClr val="accent1"/>
+          </a:fillRef>
+          <a:effectRef idx="0">
+            <a:schemeClr val="accent1"/>
+          </a:effectRef>
+          <a:fontRef idx="minor">
+            <a:schemeClr val="lt1"/>
+          </a:fontRef>
+        </p:style>
+        <p:txBody>
+          <a:bodyPr rtlCol="0" anchor="ctr"/>
+          <a:lstStyle/>
+          <a:p>
+            <a:pPr algn="ctr"/>
+            <a:endParaRPr kumimoji="1" lang="ja-JP" altLang="en-US"/>
+          </a:p>
+        </p:txBody>
+      </p:sp>
+      <p:sp>
+        <p:nvSpPr>
+          <p:cNvPr id="25" name="テキスト ボックス 24">
+            <a:extLst>
+              <a:ext uri="{FF2B5EF4-FFF2-40B4-BE49-F238E27FC236}">
+                <a16:creationId xmlns:a16="http://schemas.microsoft.com/office/drawing/2014/main" id="{DB55718A-3ACE-46A2-9342-1248219F2688}"/>
+              </a:ext>
+            </a:extLst>
+          </p:cNvPr>
+          <p:cNvSpPr txBox="1"/>
+          <p:nvPr/>
+        </p:nvSpPr>
+        <p:spPr>
+          <a:xfrm>
+            <a:off x="7648833" y="204282"/>
+            <a:ext cx="1297460" cy="461665"/>
+          </a:xfrm>
+          <a:prstGeom prst="rect">
+            <a:avLst/>
+          </a:prstGeom>
+          <a:noFill/>
+        </p:spPr>
+        <p:txBody>
+          <a:bodyPr wrap="square" rtlCol="0">
+            <a:spAutoFit/>
+          </a:bodyPr>
+          <a:lstStyle/>
+          <a:p>
+            <a:r>
+              <a:rPr kumimoji="1" lang="en-US" altLang="ja-JP" sz="2400" b="1" dirty="0">
+                <a:solidFill>
+                  <a:schemeClr val="bg1"/>
+                </a:solidFill>
+              </a:rPr>
+              <a:t>Progress</a:t>
+            </a:r>
+            <a:endParaRPr kumimoji="1" lang="ja-JP" altLang="en-US" sz="2400" b="1" dirty="0">
+              <a:solidFill>
+                <a:schemeClr val="bg1"/>
+              </a:solidFill>
+            </a:endParaRPr>
+          </a:p>
+        </p:txBody>
+      </p:sp>
+      <p:sp>
+        <p:nvSpPr>
+          <p:cNvPr id="26" name="楕円 25">
+            <a:extLst>
+              <a:ext uri="{FF2B5EF4-FFF2-40B4-BE49-F238E27FC236}">
+                <a16:creationId xmlns:a16="http://schemas.microsoft.com/office/drawing/2014/main" id="{186AB61C-991C-43C8-B25C-3B1319B1D128}"/>
+              </a:ext>
+            </a:extLst>
+          </p:cNvPr>
+          <p:cNvSpPr/>
+          <p:nvPr/>
+        </p:nvSpPr>
+        <p:spPr>
+          <a:xfrm>
+            <a:off x="10440034" y="690605"/>
+            <a:ext cx="259492" cy="259492"/>
+          </a:xfrm>
+          <a:prstGeom prst="ellipse">
+            <a:avLst/>
+          </a:prstGeom>
+          <a:solidFill>
+            <a:schemeClr val="accent1">
+              <a:lumMod val="75000"/>
+            </a:schemeClr>
+          </a:solidFill>
+          <a:ln>
+            <a:noFill/>
+          </a:ln>
+        </p:spPr>
+        <p:style>
+          <a:lnRef idx="2">
+            <a:schemeClr val="accent1">
+              <a:shade val="50000"/>
+            </a:schemeClr>
+          </a:lnRef>
+          <a:fillRef idx="1">
+            <a:schemeClr val="accent1"/>
+          </a:fillRef>
+          <a:effectRef idx="0">
+            <a:schemeClr val="accent1"/>
+          </a:effectRef>
+          <a:fontRef idx="minor">
+            <a:schemeClr val="lt1"/>
+          </a:fontRef>
+        </p:style>
+        <p:txBody>
+          <a:bodyPr rtlCol="0" anchor="ctr"/>
+          <a:lstStyle/>
+          <a:p>
+            <a:pPr algn="ctr"/>
+            <a:endParaRPr kumimoji="1" lang="ja-JP" altLang="en-US"/>
           </a:p>
         </p:txBody>
       </p:sp>
@@ -20615,6 +23042,401 @@
           </a:p>
         </p:txBody>
       </p:sp>
+      <p:sp>
+        <p:nvSpPr>
+          <p:cNvPr id="19" name="楕円 18">
+            <a:extLst>
+              <a:ext uri="{FF2B5EF4-FFF2-40B4-BE49-F238E27FC236}">
+                <a16:creationId xmlns:a16="http://schemas.microsoft.com/office/drawing/2014/main" id="{F8EEDCC2-26DD-42F5-9187-DF1AE2D757D5}"/>
+              </a:ext>
+            </a:extLst>
+          </p:cNvPr>
+          <p:cNvSpPr/>
+          <p:nvPr/>
+        </p:nvSpPr>
+        <p:spPr>
+          <a:xfrm>
+            <a:off x="7851294" y="616465"/>
+            <a:ext cx="407773" cy="407773"/>
+          </a:xfrm>
+          <a:prstGeom prst="ellipse">
+            <a:avLst/>
+          </a:prstGeom>
+          <a:solidFill>
+            <a:srgbClr val="D9D9D9"/>
+          </a:solidFill>
+        </p:spPr>
+        <p:style>
+          <a:lnRef idx="2">
+            <a:schemeClr val="accent1">
+              <a:shade val="50000"/>
+            </a:schemeClr>
+          </a:lnRef>
+          <a:fillRef idx="1">
+            <a:schemeClr val="accent1"/>
+          </a:fillRef>
+          <a:effectRef idx="0">
+            <a:schemeClr val="accent1"/>
+          </a:effectRef>
+          <a:fontRef idx="minor">
+            <a:schemeClr val="lt1"/>
+          </a:fontRef>
+        </p:style>
+        <p:txBody>
+          <a:bodyPr rtlCol="0" anchor="ctr"/>
+          <a:lstStyle/>
+          <a:p>
+            <a:pPr algn="ctr"/>
+            <a:endParaRPr kumimoji="1" lang="ja-JP" altLang="en-US"/>
+          </a:p>
+        </p:txBody>
+      </p:sp>
+      <p:sp>
+        <p:nvSpPr>
+          <p:cNvPr id="20" name="楕円 19">
+            <a:extLst>
+              <a:ext uri="{FF2B5EF4-FFF2-40B4-BE49-F238E27FC236}">
+                <a16:creationId xmlns:a16="http://schemas.microsoft.com/office/drawing/2014/main" id="{E016BC11-B57C-432C-9DA8-9E87AEF3AF30}"/>
+              </a:ext>
+            </a:extLst>
+          </p:cNvPr>
+          <p:cNvSpPr/>
+          <p:nvPr/>
+        </p:nvSpPr>
+        <p:spPr>
+          <a:xfrm>
+            <a:off x="8689494" y="616465"/>
+            <a:ext cx="407773" cy="407773"/>
+          </a:xfrm>
+          <a:prstGeom prst="ellipse">
+            <a:avLst/>
+          </a:prstGeom>
+          <a:solidFill>
+            <a:srgbClr val="D9D9D9"/>
+          </a:solidFill>
+        </p:spPr>
+        <p:style>
+          <a:lnRef idx="2">
+            <a:schemeClr val="accent1">
+              <a:shade val="50000"/>
+            </a:schemeClr>
+          </a:lnRef>
+          <a:fillRef idx="1">
+            <a:schemeClr val="accent1"/>
+          </a:fillRef>
+          <a:effectRef idx="0">
+            <a:schemeClr val="accent1"/>
+          </a:effectRef>
+          <a:fontRef idx="minor">
+            <a:schemeClr val="lt1"/>
+          </a:fontRef>
+        </p:style>
+        <p:txBody>
+          <a:bodyPr rtlCol="0" anchor="ctr"/>
+          <a:lstStyle/>
+          <a:p>
+            <a:pPr algn="ctr"/>
+            <a:endParaRPr kumimoji="1" lang="ja-JP" altLang="en-US"/>
+          </a:p>
+        </p:txBody>
+      </p:sp>
+      <p:sp>
+        <p:nvSpPr>
+          <p:cNvPr id="21" name="楕円 20">
+            <a:extLst>
+              <a:ext uri="{FF2B5EF4-FFF2-40B4-BE49-F238E27FC236}">
+                <a16:creationId xmlns:a16="http://schemas.microsoft.com/office/drawing/2014/main" id="{7D24B200-FEAB-4751-A5F5-AA0793BE5C6F}"/>
+              </a:ext>
+            </a:extLst>
+          </p:cNvPr>
+          <p:cNvSpPr/>
+          <p:nvPr/>
+        </p:nvSpPr>
+        <p:spPr>
+          <a:xfrm>
+            <a:off x="9527694" y="616465"/>
+            <a:ext cx="407773" cy="407773"/>
+          </a:xfrm>
+          <a:prstGeom prst="ellipse">
+            <a:avLst/>
+          </a:prstGeom>
+          <a:solidFill>
+            <a:srgbClr val="D9D9D9"/>
+          </a:solidFill>
+        </p:spPr>
+        <p:style>
+          <a:lnRef idx="2">
+            <a:schemeClr val="accent1">
+              <a:shade val="50000"/>
+            </a:schemeClr>
+          </a:lnRef>
+          <a:fillRef idx="1">
+            <a:schemeClr val="accent1"/>
+          </a:fillRef>
+          <a:effectRef idx="0">
+            <a:schemeClr val="accent1"/>
+          </a:effectRef>
+          <a:fontRef idx="minor">
+            <a:schemeClr val="lt1"/>
+          </a:fontRef>
+        </p:style>
+        <p:txBody>
+          <a:bodyPr rtlCol="0" anchor="ctr"/>
+          <a:lstStyle/>
+          <a:p>
+            <a:pPr algn="ctr"/>
+            <a:endParaRPr kumimoji="1" lang="ja-JP" altLang="en-US"/>
+          </a:p>
+        </p:txBody>
+      </p:sp>
+      <p:sp>
+        <p:nvSpPr>
+          <p:cNvPr id="22" name="楕円 21">
+            <a:extLst>
+              <a:ext uri="{FF2B5EF4-FFF2-40B4-BE49-F238E27FC236}">
+                <a16:creationId xmlns:a16="http://schemas.microsoft.com/office/drawing/2014/main" id="{F179E0BD-10E8-44BA-A052-8EF9A7FFCB31}"/>
+              </a:ext>
+            </a:extLst>
+          </p:cNvPr>
+          <p:cNvSpPr/>
+          <p:nvPr/>
+        </p:nvSpPr>
+        <p:spPr>
+          <a:xfrm>
+            <a:off x="10365894" y="616465"/>
+            <a:ext cx="407773" cy="407773"/>
+          </a:xfrm>
+          <a:prstGeom prst="ellipse">
+            <a:avLst/>
+          </a:prstGeom>
+          <a:solidFill>
+            <a:srgbClr val="D9D9D9"/>
+          </a:solidFill>
+        </p:spPr>
+        <p:style>
+          <a:lnRef idx="2">
+            <a:schemeClr val="accent1">
+              <a:shade val="50000"/>
+            </a:schemeClr>
+          </a:lnRef>
+          <a:fillRef idx="1">
+            <a:schemeClr val="accent1"/>
+          </a:fillRef>
+          <a:effectRef idx="0">
+            <a:schemeClr val="accent1"/>
+          </a:effectRef>
+          <a:fontRef idx="minor">
+            <a:schemeClr val="lt1"/>
+          </a:fontRef>
+        </p:style>
+        <p:txBody>
+          <a:bodyPr rtlCol="0" anchor="ctr"/>
+          <a:lstStyle/>
+          <a:p>
+            <a:pPr algn="ctr"/>
+            <a:endParaRPr kumimoji="1" lang="ja-JP" altLang="en-US"/>
+          </a:p>
+        </p:txBody>
+      </p:sp>
+      <p:sp>
+        <p:nvSpPr>
+          <p:cNvPr id="23" name="楕円 22">
+            <a:extLst>
+              <a:ext uri="{FF2B5EF4-FFF2-40B4-BE49-F238E27FC236}">
+                <a16:creationId xmlns:a16="http://schemas.microsoft.com/office/drawing/2014/main" id="{C0008BE5-CAA5-4EE8-9457-FD447EC5728F}"/>
+              </a:ext>
+            </a:extLst>
+          </p:cNvPr>
+          <p:cNvSpPr/>
+          <p:nvPr/>
+        </p:nvSpPr>
+        <p:spPr>
+          <a:xfrm>
+            <a:off x="11204094" y="616465"/>
+            <a:ext cx="407773" cy="407773"/>
+          </a:xfrm>
+          <a:prstGeom prst="ellipse">
+            <a:avLst/>
+          </a:prstGeom>
+          <a:solidFill>
+            <a:srgbClr val="D9D9D9"/>
+          </a:solidFill>
+        </p:spPr>
+        <p:style>
+          <a:lnRef idx="2">
+            <a:schemeClr val="accent1">
+              <a:shade val="50000"/>
+            </a:schemeClr>
+          </a:lnRef>
+          <a:fillRef idx="1">
+            <a:schemeClr val="accent1"/>
+          </a:fillRef>
+          <a:effectRef idx="0">
+            <a:schemeClr val="accent1"/>
+          </a:effectRef>
+          <a:fontRef idx="minor">
+            <a:schemeClr val="lt1"/>
+          </a:fontRef>
+        </p:style>
+        <p:txBody>
+          <a:bodyPr rtlCol="0" anchor="ctr"/>
+          <a:lstStyle/>
+          <a:p>
+            <a:pPr algn="ctr"/>
+            <a:endParaRPr kumimoji="1" lang="ja-JP" altLang="en-US"/>
+          </a:p>
+        </p:txBody>
+      </p:sp>
+      <p:sp>
+        <p:nvSpPr>
+          <p:cNvPr id="24" name="正方形/長方形 23">
+            <a:extLst>
+              <a:ext uri="{FF2B5EF4-FFF2-40B4-BE49-F238E27FC236}">
+                <a16:creationId xmlns:a16="http://schemas.microsoft.com/office/drawing/2014/main" id="{9AB11994-EF02-485F-8C6E-6A67AE143207}"/>
+              </a:ext>
+            </a:extLst>
+          </p:cNvPr>
+          <p:cNvSpPr/>
+          <p:nvPr/>
+        </p:nvSpPr>
+        <p:spPr>
+          <a:xfrm>
+            <a:off x="8055180" y="779505"/>
+            <a:ext cx="3298620" cy="81692"/>
+          </a:xfrm>
+          <a:prstGeom prst="rect">
+            <a:avLst/>
+          </a:prstGeom>
+          <a:solidFill>
+            <a:srgbClr val="D9D9D9"/>
+          </a:solidFill>
+          <a:ln>
+            <a:noFill/>
+          </a:ln>
+        </p:spPr>
+        <p:style>
+          <a:lnRef idx="2">
+            <a:schemeClr val="accent1">
+              <a:shade val="50000"/>
+            </a:schemeClr>
+          </a:lnRef>
+          <a:fillRef idx="1">
+            <a:schemeClr val="accent1"/>
+          </a:fillRef>
+          <a:effectRef idx="0">
+            <a:schemeClr val="accent1"/>
+          </a:effectRef>
+          <a:fontRef idx="minor">
+            <a:schemeClr val="lt1"/>
+          </a:fontRef>
+        </p:style>
+        <p:txBody>
+          <a:bodyPr rtlCol="0" anchor="ctr"/>
+          <a:lstStyle/>
+          <a:p>
+            <a:pPr algn="ctr"/>
+            <a:endParaRPr kumimoji="1" lang="ja-JP" altLang="en-US"/>
+          </a:p>
+        </p:txBody>
+      </p:sp>
+      <p:sp>
+        <p:nvSpPr>
+          <p:cNvPr id="25" name="テキスト ボックス 24">
+            <a:extLst>
+              <a:ext uri="{FF2B5EF4-FFF2-40B4-BE49-F238E27FC236}">
+                <a16:creationId xmlns:a16="http://schemas.microsoft.com/office/drawing/2014/main" id="{D924E6F6-F752-48EE-B8BC-9965300CCE1A}"/>
+              </a:ext>
+            </a:extLst>
+          </p:cNvPr>
+          <p:cNvSpPr txBox="1"/>
+          <p:nvPr/>
+        </p:nvSpPr>
+        <p:spPr>
+          <a:xfrm>
+            <a:off x="7648833" y="204282"/>
+            <a:ext cx="1297460" cy="461665"/>
+          </a:xfrm>
+          <a:prstGeom prst="rect">
+            <a:avLst/>
+          </a:prstGeom>
+          <a:noFill/>
+        </p:spPr>
+        <p:txBody>
+          <a:bodyPr wrap="square" rtlCol="0">
+            <a:spAutoFit/>
+          </a:bodyPr>
+          <a:lstStyle/>
+          <a:p>
+            <a:r>
+              <a:rPr kumimoji="1" lang="en-US" altLang="ja-JP" sz="2400" b="1" dirty="0">
+                <a:solidFill>
+                  <a:schemeClr val="bg1"/>
+                </a:solidFill>
+              </a:rPr>
+              <a:t>Progress</a:t>
+            </a:r>
+            <a:endParaRPr kumimoji="1" lang="ja-JP" altLang="en-US" sz="2400" b="1" dirty="0">
+              <a:solidFill>
+                <a:schemeClr val="bg1"/>
+              </a:solidFill>
+            </a:endParaRPr>
+          </a:p>
+        </p:txBody>
+      </p:sp>
+      <p:sp>
+        <p:nvSpPr>
+          <p:cNvPr id="26" name="楕円 25">
+            <a:extLst>
+              <a:ext uri="{FF2B5EF4-FFF2-40B4-BE49-F238E27FC236}">
+                <a16:creationId xmlns:a16="http://schemas.microsoft.com/office/drawing/2014/main" id="{31EB4D02-8426-471B-A8CF-D65B9D0B777A}"/>
+              </a:ext>
+            </a:extLst>
+          </p:cNvPr>
+          <p:cNvSpPr/>
+          <p:nvPr/>
+        </p:nvSpPr>
+        <p:spPr>
+          <a:xfrm>
+            <a:off x="11284941" y="690605"/>
+            <a:ext cx="259492" cy="259492"/>
+          </a:xfrm>
+          <a:prstGeom prst="ellipse">
+            <a:avLst/>
+          </a:prstGeom>
+          <a:solidFill>
+            <a:schemeClr val="accent1">
+              <a:lumMod val="75000"/>
+            </a:schemeClr>
+          </a:solidFill>
+          <a:ln>
+            <a:noFill/>
+          </a:ln>
+        </p:spPr>
+        <p:style>
+          <a:lnRef idx="2">
+            <a:schemeClr val="accent1">
+              <a:shade val="50000"/>
+            </a:schemeClr>
+          </a:lnRef>
+          <a:fillRef idx="1">
+            <a:schemeClr val="accent1"/>
+          </a:fillRef>
+          <a:effectRef idx="0">
+            <a:schemeClr val="accent1"/>
+          </a:effectRef>
+          <a:fontRef idx="minor">
+            <a:schemeClr val="lt1"/>
+          </a:fontRef>
+        </p:style>
+        <p:txBody>
+          <a:bodyPr rtlCol="0" anchor="ctr"/>
+          <a:lstStyle/>
+          <a:p>
+            <a:pPr algn="ctr"/>
+            <a:endParaRPr kumimoji="1" lang="ja-JP" altLang="en-US"/>
+          </a:p>
+        </p:txBody>
+      </p:sp>
     </p:spTree>
     <p:extLst>
       <p:ext uri="{BB962C8B-B14F-4D97-AF65-F5344CB8AC3E}">
@@ -23133,6 +25955,401 @@
           </a:p>
         </p:txBody>
       </p:sp>
+      <p:sp>
+        <p:nvSpPr>
+          <p:cNvPr id="4" name="楕円 3">
+            <a:extLst>
+              <a:ext uri="{FF2B5EF4-FFF2-40B4-BE49-F238E27FC236}">
+                <a16:creationId xmlns:a16="http://schemas.microsoft.com/office/drawing/2014/main" id="{88899C33-BA3A-4722-B6BB-DCF521FC54C1}"/>
+              </a:ext>
+            </a:extLst>
+          </p:cNvPr>
+          <p:cNvSpPr/>
+          <p:nvPr/>
+        </p:nvSpPr>
+        <p:spPr>
+          <a:xfrm>
+            <a:off x="7851294" y="616465"/>
+            <a:ext cx="407773" cy="407773"/>
+          </a:xfrm>
+          <a:prstGeom prst="ellipse">
+            <a:avLst/>
+          </a:prstGeom>
+          <a:solidFill>
+            <a:srgbClr val="D9D9D9"/>
+          </a:solidFill>
+        </p:spPr>
+        <p:style>
+          <a:lnRef idx="2">
+            <a:schemeClr val="accent1">
+              <a:shade val="50000"/>
+            </a:schemeClr>
+          </a:lnRef>
+          <a:fillRef idx="1">
+            <a:schemeClr val="accent1"/>
+          </a:fillRef>
+          <a:effectRef idx="0">
+            <a:schemeClr val="accent1"/>
+          </a:effectRef>
+          <a:fontRef idx="minor">
+            <a:schemeClr val="lt1"/>
+          </a:fontRef>
+        </p:style>
+        <p:txBody>
+          <a:bodyPr rtlCol="0" anchor="ctr"/>
+          <a:lstStyle/>
+          <a:p>
+            <a:pPr algn="ctr"/>
+            <a:endParaRPr kumimoji="1" lang="ja-JP" altLang="en-US"/>
+          </a:p>
+        </p:txBody>
+      </p:sp>
+      <p:sp>
+        <p:nvSpPr>
+          <p:cNvPr id="19" name="楕円 18">
+            <a:extLst>
+              <a:ext uri="{FF2B5EF4-FFF2-40B4-BE49-F238E27FC236}">
+                <a16:creationId xmlns:a16="http://schemas.microsoft.com/office/drawing/2014/main" id="{4AB730D8-6E83-4EC3-8626-A318C7C89DB2}"/>
+              </a:ext>
+            </a:extLst>
+          </p:cNvPr>
+          <p:cNvSpPr/>
+          <p:nvPr/>
+        </p:nvSpPr>
+        <p:spPr>
+          <a:xfrm>
+            <a:off x="8689494" y="616465"/>
+            <a:ext cx="407773" cy="407773"/>
+          </a:xfrm>
+          <a:prstGeom prst="ellipse">
+            <a:avLst/>
+          </a:prstGeom>
+          <a:solidFill>
+            <a:srgbClr val="D9D9D9"/>
+          </a:solidFill>
+        </p:spPr>
+        <p:style>
+          <a:lnRef idx="2">
+            <a:schemeClr val="accent1">
+              <a:shade val="50000"/>
+            </a:schemeClr>
+          </a:lnRef>
+          <a:fillRef idx="1">
+            <a:schemeClr val="accent1"/>
+          </a:fillRef>
+          <a:effectRef idx="0">
+            <a:schemeClr val="accent1"/>
+          </a:effectRef>
+          <a:fontRef idx="minor">
+            <a:schemeClr val="lt1"/>
+          </a:fontRef>
+        </p:style>
+        <p:txBody>
+          <a:bodyPr rtlCol="0" anchor="ctr"/>
+          <a:lstStyle/>
+          <a:p>
+            <a:pPr algn="ctr"/>
+            <a:endParaRPr kumimoji="1" lang="ja-JP" altLang="en-US"/>
+          </a:p>
+        </p:txBody>
+      </p:sp>
+      <p:sp>
+        <p:nvSpPr>
+          <p:cNvPr id="20" name="楕円 19">
+            <a:extLst>
+              <a:ext uri="{FF2B5EF4-FFF2-40B4-BE49-F238E27FC236}">
+                <a16:creationId xmlns:a16="http://schemas.microsoft.com/office/drawing/2014/main" id="{C6879FB1-9C00-45E7-938E-26E9D2374A38}"/>
+              </a:ext>
+            </a:extLst>
+          </p:cNvPr>
+          <p:cNvSpPr/>
+          <p:nvPr/>
+        </p:nvSpPr>
+        <p:spPr>
+          <a:xfrm>
+            <a:off x="9527694" y="616465"/>
+            <a:ext cx="407773" cy="407773"/>
+          </a:xfrm>
+          <a:prstGeom prst="ellipse">
+            <a:avLst/>
+          </a:prstGeom>
+          <a:solidFill>
+            <a:srgbClr val="D9D9D9"/>
+          </a:solidFill>
+        </p:spPr>
+        <p:style>
+          <a:lnRef idx="2">
+            <a:schemeClr val="accent1">
+              <a:shade val="50000"/>
+            </a:schemeClr>
+          </a:lnRef>
+          <a:fillRef idx="1">
+            <a:schemeClr val="accent1"/>
+          </a:fillRef>
+          <a:effectRef idx="0">
+            <a:schemeClr val="accent1"/>
+          </a:effectRef>
+          <a:fontRef idx="minor">
+            <a:schemeClr val="lt1"/>
+          </a:fontRef>
+        </p:style>
+        <p:txBody>
+          <a:bodyPr rtlCol="0" anchor="ctr"/>
+          <a:lstStyle/>
+          <a:p>
+            <a:pPr algn="ctr"/>
+            <a:endParaRPr kumimoji="1" lang="ja-JP" altLang="en-US"/>
+          </a:p>
+        </p:txBody>
+      </p:sp>
+      <p:sp>
+        <p:nvSpPr>
+          <p:cNvPr id="21" name="楕円 20">
+            <a:extLst>
+              <a:ext uri="{FF2B5EF4-FFF2-40B4-BE49-F238E27FC236}">
+                <a16:creationId xmlns:a16="http://schemas.microsoft.com/office/drawing/2014/main" id="{55EA2362-DCC9-4E50-BAAC-99CF8012C434}"/>
+              </a:ext>
+            </a:extLst>
+          </p:cNvPr>
+          <p:cNvSpPr/>
+          <p:nvPr/>
+        </p:nvSpPr>
+        <p:spPr>
+          <a:xfrm>
+            <a:off x="10365894" y="616465"/>
+            <a:ext cx="407773" cy="407773"/>
+          </a:xfrm>
+          <a:prstGeom prst="ellipse">
+            <a:avLst/>
+          </a:prstGeom>
+          <a:solidFill>
+            <a:srgbClr val="D9D9D9"/>
+          </a:solidFill>
+        </p:spPr>
+        <p:style>
+          <a:lnRef idx="2">
+            <a:schemeClr val="accent1">
+              <a:shade val="50000"/>
+            </a:schemeClr>
+          </a:lnRef>
+          <a:fillRef idx="1">
+            <a:schemeClr val="accent1"/>
+          </a:fillRef>
+          <a:effectRef idx="0">
+            <a:schemeClr val="accent1"/>
+          </a:effectRef>
+          <a:fontRef idx="minor">
+            <a:schemeClr val="lt1"/>
+          </a:fontRef>
+        </p:style>
+        <p:txBody>
+          <a:bodyPr rtlCol="0" anchor="ctr"/>
+          <a:lstStyle/>
+          <a:p>
+            <a:pPr algn="ctr"/>
+            <a:endParaRPr kumimoji="1" lang="ja-JP" altLang="en-US"/>
+          </a:p>
+        </p:txBody>
+      </p:sp>
+      <p:sp>
+        <p:nvSpPr>
+          <p:cNvPr id="22" name="楕円 21">
+            <a:extLst>
+              <a:ext uri="{FF2B5EF4-FFF2-40B4-BE49-F238E27FC236}">
+                <a16:creationId xmlns:a16="http://schemas.microsoft.com/office/drawing/2014/main" id="{619EA33D-790C-4CDB-A65A-0CA1807F3CF6}"/>
+              </a:ext>
+            </a:extLst>
+          </p:cNvPr>
+          <p:cNvSpPr/>
+          <p:nvPr/>
+        </p:nvSpPr>
+        <p:spPr>
+          <a:xfrm>
+            <a:off x="11204094" y="616465"/>
+            <a:ext cx="407773" cy="407773"/>
+          </a:xfrm>
+          <a:prstGeom prst="ellipse">
+            <a:avLst/>
+          </a:prstGeom>
+          <a:solidFill>
+            <a:srgbClr val="D9D9D9"/>
+          </a:solidFill>
+        </p:spPr>
+        <p:style>
+          <a:lnRef idx="2">
+            <a:schemeClr val="accent1">
+              <a:shade val="50000"/>
+            </a:schemeClr>
+          </a:lnRef>
+          <a:fillRef idx="1">
+            <a:schemeClr val="accent1"/>
+          </a:fillRef>
+          <a:effectRef idx="0">
+            <a:schemeClr val="accent1"/>
+          </a:effectRef>
+          <a:fontRef idx="minor">
+            <a:schemeClr val="lt1"/>
+          </a:fontRef>
+        </p:style>
+        <p:txBody>
+          <a:bodyPr rtlCol="0" anchor="ctr"/>
+          <a:lstStyle/>
+          <a:p>
+            <a:pPr algn="ctr"/>
+            <a:endParaRPr kumimoji="1" lang="ja-JP" altLang="en-US"/>
+          </a:p>
+        </p:txBody>
+      </p:sp>
+      <p:sp>
+        <p:nvSpPr>
+          <p:cNvPr id="23" name="正方形/長方形 22">
+            <a:extLst>
+              <a:ext uri="{FF2B5EF4-FFF2-40B4-BE49-F238E27FC236}">
+                <a16:creationId xmlns:a16="http://schemas.microsoft.com/office/drawing/2014/main" id="{9E809437-33DB-4CC5-8104-D796876E776F}"/>
+              </a:ext>
+            </a:extLst>
+          </p:cNvPr>
+          <p:cNvSpPr/>
+          <p:nvPr/>
+        </p:nvSpPr>
+        <p:spPr>
+          <a:xfrm>
+            <a:off x="8055180" y="779505"/>
+            <a:ext cx="3298620" cy="81692"/>
+          </a:xfrm>
+          <a:prstGeom prst="rect">
+            <a:avLst/>
+          </a:prstGeom>
+          <a:solidFill>
+            <a:srgbClr val="D9D9D9"/>
+          </a:solidFill>
+          <a:ln>
+            <a:noFill/>
+          </a:ln>
+        </p:spPr>
+        <p:style>
+          <a:lnRef idx="2">
+            <a:schemeClr val="accent1">
+              <a:shade val="50000"/>
+            </a:schemeClr>
+          </a:lnRef>
+          <a:fillRef idx="1">
+            <a:schemeClr val="accent1"/>
+          </a:fillRef>
+          <a:effectRef idx="0">
+            <a:schemeClr val="accent1"/>
+          </a:effectRef>
+          <a:fontRef idx="minor">
+            <a:schemeClr val="lt1"/>
+          </a:fontRef>
+        </p:style>
+        <p:txBody>
+          <a:bodyPr rtlCol="0" anchor="ctr"/>
+          <a:lstStyle/>
+          <a:p>
+            <a:pPr algn="ctr"/>
+            <a:endParaRPr kumimoji="1" lang="ja-JP" altLang="en-US"/>
+          </a:p>
+        </p:txBody>
+      </p:sp>
+      <p:sp>
+        <p:nvSpPr>
+          <p:cNvPr id="24" name="テキスト ボックス 23">
+            <a:extLst>
+              <a:ext uri="{FF2B5EF4-FFF2-40B4-BE49-F238E27FC236}">
+                <a16:creationId xmlns:a16="http://schemas.microsoft.com/office/drawing/2014/main" id="{EB526227-3A2F-4575-B72C-A4C404EC76E0}"/>
+              </a:ext>
+            </a:extLst>
+          </p:cNvPr>
+          <p:cNvSpPr txBox="1"/>
+          <p:nvPr/>
+        </p:nvSpPr>
+        <p:spPr>
+          <a:xfrm>
+            <a:off x="7648833" y="204282"/>
+            <a:ext cx="1297460" cy="461665"/>
+          </a:xfrm>
+          <a:prstGeom prst="rect">
+            <a:avLst/>
+          </a:prstGeom>
+          <a:noFill/>
+        </p:spPr>
+        <p:txBody>
+          <a:bodyPr wrap="square" rtlCol="0">
+            <a:spAutoFit/>
+          </a:bodyPr>
+          <a:lstStyle/>
+          <a:p>
+            <a:r>
+              <a:rPr kumimoji="1" lang="en-US" altLang="ja-JP" sz="2400" b="1" dirty="0">
+                <a:solidFill>
+                  <a:schemeClr val="bg1"/>
+                </a:solidFill>
+              </a:rPr>
+              <a:t>Progress</a:t>
+            </a:r>
+            <a:endParaRPr kumimoji="1" lang="ja-JP" altLang="en-US" sz="2400" b="1" dirty="0">
+              <a:solidFill>
+                <a:schemeClr val="bg1"/>
+              </a:solidFill>
+            </a:endParaRPr>
+          </a:p>
+        </p:txBody>
+      </p:sp>
+      <p:sp>
+        <p:nvSpPr>
+          <p:cNvPr id="25" name="楕円 24">
+            <a:extLst>
+              <a:ext uri="{FF2B5EF4-FFF2-40B4-BE49-F238E27FC236}">
+                <a16:creationId xmlns:a16="http://schemas.microsoft.com/office/drawing/2014/main" id="{B570EF0C-DB23-4084-AC3B-F554857E05F1}"/>
+              </a:ext>
+            </a:extLst>
+          </p:cNvPr>
+          <p:cNvSpPr/>
+          <p:nvPr/>
+        </p:nvSpPr>
+        <p:spPr>
+          <a:xfrm>
+            <a:off x="7925434" y="690605"/>
+            <a:ext cx="259492" cy="259492"/>
+          </a:xfrm>
+          <a:prstGeom prst="ellipse">
+            <a:avLst/>
+          </a:prstGeom>
+          <a:solidFill>
+            <a:schemeClr val="accent1">
+              <a:lumMod val="75000"/>
+            </a:schemeClr>
+          </a:solidFill>
+          <a:ln>
+            <a:noFill/>
+          </a:ln>
+        </p:spPr>
+        <p:style>
+          <a:lnRef idx="2">
+            <a:schemeClr val="accent1">
+              <a:shade val="50000"/>
+            </a:schemeClr>
+          </a:lnRef>
+          <a:fillRef idx="1">
+            <a:schemeClr val="accent1"/>
+          </a:fillRef>
+          <a:effectRef idx="0">
+            <a:schemeClr val="accent1"/>
+          </a:effectRef>
+          <a:fontRef idx="minor">
+            <a:schemeClr val="lt1"/>
+          </a:fontRef>
+        </p:style>
+        <p:txBody>
+          <a:bodyPr rtlCol="0" anchor="ctr"/>
+          <a:lstStyle/>
+          <a:p>
+            <a:pPr algn="ctr"/>
+            <a:endParaRPr kumimoji="1" lang="ja-JP" altLang="en-US"/>
+          </a:p>
+        </p:txBody>
+      </p:sp>
     </p:spTree>
     <p:extLst>
       <p:ext uri="{BB962C8B-B14F-4D97-AF65-F5344CB8AC3E}">
@@ -24260,6 +27477,401 @@
           </a:p>
         </p:txBody>
       </p:sp>
+      <p:sp>
+        <p:nvSpPr>
+          <p:cNvPr id="19" name="楕円 18">
+            <a:extLst>
+              <a:ext uri="{FF2B5EF4-FFF2-40B4-BE49-F238E27FC236}">
+                <a16:creationId xmlns:a16="http://schemas.microsoft.com/office/drawing/2014/main" id="{417CCB0E-9D60-48FA-95FA-6393EA55C9B5}"/>
+              </a:ext>
+            </a:extLst>
+          </p:cNvPr>
+          <p:cNvSpPr/>
+          <p:nvPr/>
+        </p:nvSpPr>
+        <p:spPr>
+          <a:xfrm>
+            <a:off x="7851294" y="616465"/>
+            <a:ext cx="407773" cy="407773"/>
+          </a:xfrm>
+          <a:prstGeom prst="ellipse">
+            <a:avLst/>
+          </a:prstGeom>
+          <a:solidFill>
+            <a:srgbClr val="D9D9D9"/>
+          </a:solidFill>
+        </p:spPr>
+        <p:style>
+          <a:lnRef idx="2">
+            <a:schemeClr val="accent1">
+              <a:shade val="50000"/>
+            </a:schemeClr>
+          </a:lnRef>
+          <a:fillRef idx="1">
+            <a:schemeClr val="accent1"/>
+          </a:fillRef>
+          <a:effectRef idx="0">
+            <a:schemeClr val="accent1"/>
+          </a:effectRef>
+          <a:fontRef idx="minor">
+            <a:schemeClr val="lt1"/>
+          </a:fontRef>
+        </p:style>
+        <p:txBody>
+          <a:bodyPr rtlCol="0" anchor="ctr"/>
+          <a:lstStyle/>
+          <a:p>
+            <a:pPr algn="ctr"/>
+            <a:endParaRPr kumimoji="1" lang="ja-JP" altLang="en-US"/>
+          </a:p>
+        </p:txBody>
+      </p:sp>
+      <p:sp>
+        <p:nvSpPr>
+          <p:cNvPr id="20" name="楕円 19">
+            <a:extLst>
+              <a:ext uri="{FF2B5EF4-FFF2-40B4-BE49-F238E27FC236}">
+                <a16:creationId xmlns:a16="http://schemas.microsoft.com/office/drawing/2014/main" id="{2FF44196-4D5F-44A8-91F0-C0D1C7C06A90}"/>
+              </a:ext>
+            </a:extLst>
+          </p:cNvPr>
+          <p:cNvSpPr/>
+          <p:nvPr/>
+        </p:nvSpPr>
+        <p:spPr>
+          <a:xfrm>
+            <a:off x="8689494" y="616465"/>
+            <a:ext cx="407773" cy="407773"/>
+          </a:xfrm>
+          <a:prstGeom prst="ellipse">
+            <a:avLst/>
+          </a:prstGeom>
+          <a:solidFill>
+            <a:srgbClr val="D9D9D9"/>
+          </a:solidFill>
+        </p:spPr>
+        <p:style>
+          <a:lnRef idx="2">
+            <a:schemeClr val="accent1">
+              <a:shade val="50000"/>
+            </a:schemeClr>
+          </a:lnRef>
+          <a:fillRef idx="1">
+            <a:schemeClr val="accent1"/>
+          </a:fillRef>
+          <a:effectRef idx="0">
+            <a:schemeClr val="accent1"/>
+          </a:effectRef>
+          <a:fontRef idx="minor">
+            <a:schemeClr val="lt1"/>
+          </a:fontRef>
+        </p:style>
+        <p:txBody>
+          <a:bodyPr rtlCol="0" anchor="ctr"/>
+          <a:lstStyle/>
+          <a:p>
+            <a:pPr algn="ctr"/>
+            <a:endParaRPr kumimoji="1" lang="ja-JP" altLang="en-US"/>
+          </a:p>
+        </p:txBody>
+      </p:sp>
+      <p:sp>
+        <p:nvSpPr>
+          <p:cNvPr id="21" name="楕円 20">
+            <a:extLst>
+              <a:ext uri="{FF2B5EF4-FFF2-40B4-BE49-F238E27FC236}">
+                <a16:creationId xmlns:a16="http://schemas.microsoft.com/office/drawing/2014/main" id="{E8E2167D-150A-47B6-9881-8FED488416EA}"/>
+              </a:ext>
+            </a:extLst>
+          </p:cNvPr>
+          <p:cNvSpPr/>
+          <p:nvPr/>
+        </p:nvSpPr>
+        <p:spPr>
+          <a:xfrm>
+            <a:off x="9527694" y="616465"/>
+            <a:ext cx="407773" cy="407773"/>
+          </a:xfrm>
+          <a:prstGeom prst="ellipse">
+            <a:avLst/>
+          </a:prstGeom>
+          <a:solidFill>
+            <a:srgbClr val="D9D9D9"/>
+          </a:solidFill>
+        </p:spPr>
+        <p:style>
+          <a:lnRef idx="2">
+            <a:schemeClr val="accent1">
+              <a:shade val="50000"/>
+            </a:schemeClr>
+          </a:lnRef>
+          <a:fillRef idx="1">
+            <a:schemeClr val="accent1"/>
+          </a:fillRef>
+          <a:effectRef idx="0">
+            <a:schemeClr val="accent1"/>
+          </a:effectRef>
+          <a:fontRef idx="minor">
+            <a:schemeClr val="lt1"/>
+          </a:fontRef>
+        </p:style>
+        <p:txBody>
+          <a:bodyPr rtlCol="0" anchor="ctr"/>
+          <a:lstStyle/>
+          <a:p>
+            <a:pPr algn="ctr"/>
+            <a:endParaRPr kumimoji="1" lang="ja-JP" altLang="en-US"/>
+          </a:p>
+        </p:txBody>
+      </p:sp>
+      <p:sp>
+        <p:nvSpPr>
+          <p:cNvPr id="22" name="楕円 21">
+            <a:extLst>
+              <a:ext uri="{FF2B5EF4-FFF2-40B4-BE49-F238E27FC236}">
+                <a16:creationId xmlns:a16="http://schemas.microsoft.com/office/drawing/2014/main" id="{5C7DC91A-5C8F-46FD-8C26-B7C70744703F}"/>
+              </a:ext>
+            </a:extLst>
+          </p:cNvPr>
+          <p:cNvSpPr/>
+          <p:nvPr/>
+        </p:nvSpPr>
+        <p:spPr>
+          <a:xfrm>
+            <a:off x="10365894" y="616465"/>
+            <a:ext cx="407773" cy="407773"/>
+          </a:xfrm>
+          <a:prstGeom prst="ellipse">
+            <a:avLst/>
+          </a:prstGeom>
+          <a:solidFill>
+            <a:srgbClr val="D9D9D9"/>
+          </a:solidFill>
+        </p:spPr>
+        <p:style>
+          <a:lnRef idx="2">
+            <a:schemeClr val="accent1">
+              <a:shade val="50000"/>
+            </a:schemeClr>
+          </a:lnRef>
+          <a:fillRef idx="1">
+            <a:schemeClr val="accent1"/>
+          </a:fillRef>
+          <a:effectRef idx="0">
+            <a:schemeClr val="accent1"/>
+          </a:effectRef>
+          <a:fontRef idx="minor">
+            <a:schemeClr val="lt1"/>
+          </a:fontRef>
+        </p:style>
+        <p:txBody>
+          <a:bodyPr rtlCol="0" anchor="ctr"/>
+          <a:lstStyle/>
+          <a:p>
+            <a:pPr algn="ctr"/>
+            <a:endParaRPr kumimoji="1" lang="ja-JP" altLang="en-US"/>
+          </a:p>
+        </p:txBody>
+      </p:sp>
+      <p:sp>
+        <p:nvSpPr>
+          <p:cNvPr id="23" name="楕円 22">
+            <a:extLst>
+              <a:ext uri="{FF2B5EF4-FFF2-40B4-BE49-F238E27FC236}">
+                <a16:creationId xmlns:a16="http://schemas.microsoft.com/office/drawing/2014/main" id="{DE974583-D8A0-4BEE-BE48-83F67EFF73B5}"/>
+              </a:ext>
+            </a:extLst>
+          </p:cNvPr>
+          <p:cNvSpPr/>
+          <p:nvPr/>
+        </p:nvSpPr>
+        <p:spPr>
+          <a:xfrm>
+            <a:off x="11204094" y="616465"/>
+            <a:ext cx="407773" cy="407773"/>
+          </a:xfrm>
+          <a:prstGeom prst="ellipse">
+            <a:avLst/>
+          </a:prstGeom>
+          <a:solidFill>
+            <a:srgbClr val="D9D9D9"/>
+          </a:solidFill>
+        </p:spPr>
+        <p:style>
+          <a:lnRef idx="2">
+            <a:schemeClr val="accent1">
+              <a:shade val="50000"/>
+            </a:schemeClr>
+          </a:lnRef>
+          <a:fillRef idx="1">
+            <a:schemeClr val="accent1"/>
+          </a:fillRef>
+          <a:effectRef idx="0">
+            <a:schemeClr val="accent1"/>
+          </a:effectRef>
+          <a:fontRef idx="minor">
+            <a:schemeClr val="lt1"/>
+          </a:fontRef>
+        </p:style>
+        <p:txBody>
+          <a:bodyPr rtlCol="0" anchor="ctr"/>
+          <a:lstStyle/>
+          <a:p>
+            <a:pPr algn="ctr"/>
+            <a:endParaRPr kumimoji="1" lang="ja-JP" altLang="en-US"/>
+          </a:p>
+        </p:txBody>
+      </p:sp>
+      <p:sp>
+        <p:nvSpPr>
+          <p:cNvPr id="24" name="正方形/長方形 23">
+            <a:extLst>
+              <a:ext uri="{FF2B5EF4-FFF2-40B4-BE49-F238E27FC236}">
+                <a16:creationId xmlns:a16="http://schemas.microsoft.com/office/drawing/2014/main" id="{274E17CC-1515-447D-BA0C-18385BCE7B29}"/>
+              </a:ext>
+            </a:extLst>
+          </p:cNvPr>
+          <p:cNvSpPr/>
+          <p:nvPr/>
+        </p:nvSpPr>
+        <p:spPr>
+          <a:xfrm>
+            <a:off x="8055180" y="779505"/>
+            <a:ext cx="3298620" cy="81692"/>
+          </a:xfrm>
+          <a:prstGeom prst="rect">
+            <a:avLst/>
+          </a:prstGeom>
+          <a:solidFill>
+            <a:srgbClr val="D9D9D9"/>
+          </a:solidFill>
+          <a:ln>
+            <a:noFill/>
+          </a:ln>
+        </p:spPr>
+        <p:style>
+          <a:lnRef idx="2">
+            <a:schemeClr val="accent1">
+              <a:shade val="50000"/>
+            </a:schemeClr>
+          </a:lnRef>
+          <a:fillRef idx="1">
+            <a:schemeClr val="accent1"/>
+          </a:fillRef>
+          <a:effectRef idx="0">
+            <a:schemeClr val="accent1"/>
+          </a:effectRef>
+          <a:fontRef idx="minor">
+            <a:schemeClr val="lt1"/>
+          </a:fontRef>
+        </p:style>
+        <p:txBody>
+          <a:bodyPr rtlCol="0" anchor="ctr"/>
+          <a:lstStyle/>
+          <a:p>
+            <a:pPr algn="ctr"/>
+            <a:endParaRPr kumimoji="1" lang="ja-JP" altLang="en-US"/>
+          </a:p>
+        </p:txBody>
+      </p:sp>
+      <p:sp>
+        <p:nvSpPr>
+          <p:cNvPr id="25" name="テキスト ボックス 24">
+            <a:extLst>
+              <a:ext uri="{FF2B5EF4-FFF2-40B4-BE49-F238E27FC236}">
+                <a16:creationId xmlns:a16="http://schemas.microsoft.com/office/drawing/2014/main" id="{2FB211B7-130F-4832-9F4B-1C475218C89B}"/>
+              </a:ext>
+            </a:extLst>
+          </p:cNvPr>
+          <p:cNvSpPr txBox="1"/>
+          <p:nvPr/>
+        </p:nvSpPr>
+        <p:spPr>
+          <a:xfrm>
+            <a:off x="7648833" y="204282"/>
+            <a:ext cx="1297460" cy="461665"/>
+          </a:xfrm>
+          <a:prstGeom prst="rect">
+            <a:avLst/>
+          </a:prstGeom>
+          <a:noFill/>
+        </p:spPr>
+        <p:txBody>
+          <a:bodyPr wrap="square" rtlCol="0">
+            <a:spAutoFit/>
+          </a:bodyPr>
+          <a:lstStyle/>
+          <a:p>
+            <a:r>
+              <a:rPr kumimoji="1" lang="en-US" altLang="ja-JP" sz="2400" b="1" dirty="0">
+                <a:solidFill>
+                  <a:schemeClr val="bg1"/>
+                </a:solidFill>
+              </a:rPr>
+              <a:t>Progress</a:t>
+            </a:r>
+            <a:endParaRPr kumimoji="1" lang="ja-JP" altLang="en-US" sz="2400" b="1" dirty="0">
+              <a:solidFill>
+                <a:schemeClr val="bg1"/>
+              </a:solidFill>
+            </a:endParaRPr>
+          </a:p>
+        </p:txBody>
+      </p:sp>
+      <p:sp>
+        <p:nvSpPr>
+          <p:cNvPr id="26" name="楕円 25">
+            <a:extLst>
+              <a:ext uri="{FF2B5EF4-FFF2-40B4-BE49-F238E27FC236}">
+                <a16:creationId xmlns:a16="http://schemas.microsoft.com/office/drawing/2014/main" id="{4B83B845-DFA9-4A90-9626-F2BDA3DE4954}"/>
+              </a:ext>
+            </a:extLst>
+          </p:cNvPr>
+          <p:cNvSpPr/>
+          <p:nvPr/>
+        </p:nvSpPr>
+        <p:spPr>
+          <a:xfrm>
+            <a:off x="7925434" y="690605"/>
+            <a:ext cx="259492" cy="259492"/>
+          </a:xfrm>
+          <a:prstGeom prst="ellipse">
+            <a:avLst/>
+          </a:prstGeom>
+          <a:solidFill>
+            <a:schemeClr val="accent1">
+              <a:lumMod val="75000"/>
+            </a:schemeClr>
+          </a:solidFill>
+          <a:ln>
+            <a:noFill/>
+          </a:ln>
+        </p:spPr>
+        <p:style>
+          <a:lnRef idx="2">
+            <a:schemeClr val="accent1">
+              <a:shade val="50000"/>
+            </a:schemeClr>
+          </a:lnRef>
+          <a:fillRef idx="1">
+            <a:schemeClr val="accent1"/>
+          </a:fillRef>
+          <a:effectRef idx="0">
+            <a:schemeClr val="accent1"/>
+          </a:effectRef>
+          <a:fontRef idx="minor">
+            <a:schemeClr val="lt1"/>
+          </a:fontRef>
+        </p:style>
+        <p:txBody>
+          <a:bodyPr rtlCol="0" anchor="ctr"/>
+          <a:lstStyle/>
+          <a:p>
+            <a:pPr algn="ctr"/>
+            <a:endParaRPr kumimoji="1" lang="ja-JP" altLang="en-US"/>
+          </a:p>
+        </p:txBody>
+      </p:sp>
     </p:spTree>
     <p:extLst>
       <p:ext uri="{BB962C8B-B14F-4D97-AF65-F5344CB8AC3E}">
@@ -25384,6 +28996,401 @@
               <a:ea typeface="メイリオ" panose="020B0604030504040204" pitchFamily="50" charset="-128"/>
               <a:cs typeface="+mn-cs"/>
             </a:endParaRPr>
+          </a:p>
+        </p:txBody>
+      </p:sp>
+      <p:sp>
+        <p:nvSpPr>
+          <p:cNvPr id="19" name="楕円 18">
+            <a:extLst>
+              <a:ext uri="{FF2B5EF4-FFF2-40B4-BE49-F238E27FC236}">
+                <a16:creationId xmlns:a16="http://schemas.microsoft.com/office/drawing/2014/main" id="{FA2C0617-B82F-4C74-A05C-DAB399510A2D}"/>
+              </a:ext>
+            </a:extLst>
+          </p:cNvPr>
+          <p:cNvSpPr/>
+          <p:nvPr/>
+        </p:nvSpPr>
+        <p:spPr>
+          <a:xfrm>
+            <a:off x="7851294" y="616465"/>
+            <a:ext cx="407773" cy="407773"/>
+          </a:xfrm>
+          <a:prstGeom prst="ellipse">
+            <a:avLst/>
+          </a:prstGeom>
+          <a:solidFill>
+            <a:srgbClr val="D9D9D9"/>
+          </a:solidFill>
+        </p:spPr>
+        <p:style>
+          <a:lnRef idx="2">
+            <a:schemeClr val="accent1">
+              <a:shade val="50000"/>
+            </a:schemeClr>
+          </a:lnRef>
+          <a:fillRef idx="1">
+            <a:schemeClr val="accent1"/>
+          </a:fillRef>
+          <a:effectRef idx="0">
+            <a:schemeClr val="accent1"/>
+          </a:effectRef>
+          <a:fontRef idx="minor">
+            <a:schemeClr val="lt1"/>
+          </a:fontRef>
+        </p:style>
+        <p:txBody>
+          <a:bodyPr rtlCol="0" anchor="ctr"/>
+          <a:lstStyle/>
+          <a:p>
+            <a:pPr algn="ctr"/>
+            <a:endParaRPr kumimoji="1" lang="ja-JP" altLang="en-US"/>
+          </a:p>
+        </p:txBody>
+      </p:sp>
+      <p:sp>
+        <p:nvSpPr>
+          <p:cNvPr id="20" name="楕円 19">
+            <a:extLst>
+              <a:ext uri="{FF2B5EF4-FFF2-40B4-BE49-F238E27FC236}">
+                <a16:creationId xmlns:a16="http://schemas.microsoft.com/office/drawing/2014/main" id="{C288F9F7-9B68-48FB-9CF4-A6E0A51AA587}"/>
+              </a:ext>
+            </a:extLst>
+          </p:cNvPr>
+          <p:cNvSpPr/>
+          <p:nvPr/>
+        </p:nvSpPr>
+        <p:spPr>
+          <a:xfrm>
+            <a:off x="8689494" y="616465"/>
+            <a:ext cx="407773" cy="407773"/>
+          </a:xfrm>
+          <a:prstGeom prst="ellipse">
+            <a:avLst/>
+          </a:prstGeom>
+          <a:solidFill>
+            <a:srgbClr val="D9D9D9"/>
+          </a:solidFill>
+        </p:spPr>
+        <p:style>
+          <a:lnRef idx="2">
+            <a:schemeClr val="accent1">
+              <a:shade val="50000"/>
+            </a:schemeClr>
+          </a:lnRef>
+          <a:fillRef idx="1">
+            <a:schemeClr val="accent1"/>
+          </a:fillRef>
+          <a:effectRef idx="0">
+            <a:schemeClr val="accent1"/>
+          </a:effectRef>
+          <a:fontRef idx="minor">
+            <a:schemeClr val="lt1"/>
+          </a:fontRef>
+        </p:style>
+        <p:txBody>
+          <a:bodyPr rtlCol="0" anchor="ctr"/>
+          <a:lstStyle/>
+          <a:p>
+            <a:pPr algn="ctr"/>
+            <a:endParaRPr kumimoji="1" lang="ja-JP" altLang="en-US"/>
+          </a:p>
+        </p:txBody>
+      </p:sp>
+      <p:sp>
+        <p:nvSpPr>
+          <p:cNvPr id="21" name="楕円 20">
+            <a:extLst>
+              <a:ext uri="{FF2B5EF4-FFF2-40B4-BE49-F238E27FC236}">
+                <a16:creationId xmlns:a16="http://schemas.microsoft.com/office/drawing/2014/main" id="{AA18D9BB-0754-40D8-8EED-6A4FC549C394}"/>
+              </a:ext>
+            </a:extLst>
+          </p:cNvPr>
+          <p:cNvSpPr/>
+          <p:nvPr/>
+        </p:nvSpPr>
+        <p:spPr>
+          <a:xfrm>
+            <a:off x="9527694" y="616465"/>
+            <a:ext cx="407773" cy="407773"/>
+          </a:xfrm>
+          <a:prstGeom prst="ellipse">
+            <a:avLst/>
+          </a:prstGeom>
+          <a:solidFill>
+            <a:srgbClr val="D9D9D9"/>
+          </a:solidFill>
+        </p:spPr>
+        <p:style>
+          <a:lnRef idx="2">
+            <a:schemeClr val="accent1">
+              <a:shade val="50000"/>
+            </a:schemeClr>
+          </a:lnRef>
+          <a:fillRef idx="1">
+            <a:schemeClr val="accent1"/>
+          </a:fillRef>
+          <a:effectRef idx="0">
+            <a:schemeClr val="accent1"/>
+          </a:effectRef>
+          <a:fontRef idx="minor">
+            <a:schemeClr val="lt1"/>
+          </a:fontRef>
+        </p:style>
+        <p:txBody>
+          <a:bodyPr rtlCol="0" anchor="ctr"/>
+          <a:lstStyle/>
+          <a:p>
+            <a:pPr algn="ctr"/>
+            <a:endParaRPr kumimoji="1" lang="ja-JP" altLang="en-US"/>
+          </a:p>
+        </p:txBody>
+      </p:sp>
+      <p:sp>
+        <p:nvSpPr>
+          <p:cNvPr id="22" name="楕円 21">
+            <a:extLst>
+              <a:ext uri="{FF2B5EF4-FFF2-40B4-BE49-F238E27FC236}">
+                <a16:creationId xmlns:a16="http://schemas.microsoft.com/office/drawing/2014/main" id="{A199B93A-60EF-44FE-87B0-584E6C8C5D31}"/>
+              </a:ext>
+            </a:extLst>
+          </p:cNvPr>
+          <p:cNvSpPr/>
+          <p:nvPr/>
+        </p:nvSpPr>
+        <p:spPr>
+          <a:xfrm>
+            <a:off x="10365894" y="616465"/>
+            <a:ext cx="407773" cy="407773"/>
+          </a:xfrm>
+          <a:prstGeom prst="ellipse">
+            <a:avLst/>
+          </a:prstGeom>
+          <a:solidFill>
+            <a:srgbClr val="D9D9D9"/>
+          </a:solidFill>
+        </p:spPr>
+        <p:style>
+          <a:lnRef idx="2">
+            <a:schemeClr val="accent1">
+              <a:shade val="50000"/>
+            </a:schemeClr>
+          </a:lnRef>
+          <a:fillRef idx="1">
+            <a:schemeClr val="accent1"/>
+          </a:fillRef>
+          <a:effectRef idx="0">
+            <a:schemeClr val="accent1"/>
+          </a:effectRef>
+          <a:fontRef idx="minor">
+            <a:schemeClr val="lt1"/>
+          </a:fontRef>
+        </p:style>
+        <p:txBody>
+          <a:bodyPr rtlCol="0" anchor="ctr"/>
+          <a:lstStyle/>
+          <a:p>
+            <a:pPr algn="ctr"/>
+            <a:endParaRPr kumimoji="1" lang="ja-JP" altLang="en-US"/>
+          </a:p>
+        </p:txBody>
+      </p:sp>
+      <p:sp>
+        <p:nvSpPr>
+          <p:cNvPr id="23" name="楕円 22">
+            <a:extLst>
+              <a:ext uri="{FF2B5EF4-FFF2-40B4-BE49-F238E27FC236}">
+                <a16:creationId xmlns:a16="http://schemas.microsoft.com/office/drawing/2014/main" id="{D285589C-CFC8-4C4B-B4F7-1554051E4B66}"/>
+              </a:ext>
+            </a:extLst>
+          </p:cNvPr>
+          <p:cNvSpPr/>
+          <p:nvPr/>
+        </p:nvSpPr>
+        <p:spPr>
+          <a:xfrm>
+            <a:off x="11204094" y="616465"/>
+            <a:ext cx="407773" cy="407773"/>
+          </a:xfrm>
+          <a:prstGeom prst="ellipse">
+            <a:avLst/>
+          </a:prstGeom>
+          <a:solidFill>
+            <a:srgbClr val="D9D9D9"/>
+          </a:solidFill>
+        </p:spPr>
+        <p:style>
+          <a:lnRef idx="2">
+            <a:schemeClr val="accent1">
+              <a:shade val="50000"/>
+            </a:schemeClr>
+          </a:lnRef>
+          <a:fillRef idx="1">
+            <a:schemeClr val="accent1"/>
+          </a:fillRef>
+          <a:effectRef idx="0">
+            <a:schemeClr val="accent1"/>
+          </a:effectRef>
+          <a:fontRef idx="minor">
+            <a:schemeClr val="lt1"/>
+          </a:fontRef>
+        </p:style>
+        <p:txBody>
+          <a:bodyPr rtlCol="0" anchor="ctr"/>
+          <a:lstStyle/>
+          <a:p>
+            <a:pPr algn="ctr"/>
+            <a:endParaRPr kumimoji="1" lang="ja-JP" altLang="en-US"/>
+          </a:p>
+        </p:txBody>
+      </p:sp>
+      <p:sp>
+        <p:nvSpPr>
+          <p:cNvPr id="24" name="正方形/長方形 23">
+            <a:extLst>
+              <a:ext uri="{FF2B5EF4-FFF2-40B4-BE49-F238E27FC236}">
+                <a16:creationId xmlns:a16="http://schemas.microsoft.com/office/drawing/2014/main" id="{DB760FA1-A695-4345-AC8A-BF43D7B48A50}"/>
+              </a:ext>
+            </a:extLst>
+          </p:cNvPr>
+          <p:cNvSpPr/>
+          <p:nvPr/>
+        </p:nvSpPr>
+        <p:spPr>
+          <a:xfrm>
+            <a:off x="8055180" y="779505"/>
+            <a:ext cx="3298620" cy="81692"/>
+          </a:xfrm>
+          <a:prstGeom prst="rect">
+            <a:avLst/>
+          </a:prstGeom>
+          <a:solidFill>
+            <a:srgbClr val="D9D9D9"/>
+          </a:solidFill>
+          <a:ln>
+            <a:noFill/>
+          </a:ln>
+        </p:spPr>
+        <p:style>
+          <a:lnRef idx="2">
+            <a:schemeClr val="accent1">
+              <a:shade val="50000"/>
+            </a:schemeClr>
+          </a:lnRef>
+          <a:fillRef idx="1">
+            <a:schemeClr val="accent1"/>
+          </a:fillRef>
+          <a:effectRef idx="0">
+            <a:schemeClr val="accent1"/>
+          </a:effectRef>
+          <a:fontRef idx="minor">
+            <a:schemeClr val="lt1"/>
+          </a:fontRef>
+        </p:style>
+        <p:txBody>
+          <a:bodyPr rtlCol="0" anchor="ctr"/>
+          <a:lstStyle/>
+          <a:p>
+            <a:pPr algn="ctr"/>
+            <a:endParaRPr kumimoji="1" lang="ja-JP" altLang="en-US"/>
+          </a:p>
+        </p:txBody>
+      </p:sp>
+      <p:sp>
+        <p:nvSpPr>
+          <p:cNvPr id="25" name="テキスト ボックス 24">
+            <a:extLst>
+              <a:ext uri="{FF2B5EF4-FFF2-40B4-BE49-F238E27FC236}">
+                <a16:creationId xmlns:a16="http://schemas.microsoft.com/office/drawing/2014/main" id="{AA304433-A19C-4538-8954-4B53273DD271}"/>
+              </a:ext>
+            </a:extLst>
+          </p:cNvPr>
+          <p:cNvSpPr txBox="1"/>
+          <p:nvPr/>
+        </p:nvSpPr>
+        <p:spPr>
+          <a:xfrm>
+            <a:off x="7648833" y="204282"/>
+            <a:ext cx="1297460" cy="461665"/>
+          </a:xfrm>
+          <a:prstGeom prst="rect">
+            <a:avLst/>
+          </a:prstGeom>
+          <a:noFill/>
+        </p:spPr>
+        <p:txBody>
+          <a:bodyPr wrap="square" rtlCol="0">
+            <a:spAutoFit/>
+          </a:bodyPr>
+          <a:lstStyle/>
+          <a:p>
+            <a:r>
+              <a:rPr kumimoji="1" lang="en-US" altLang="ja-JP" sz="2400" b="1" dirty="0">
+                <a:solidFill>
+                  <a:schemeClr val="bg1"/>
+                </a:solidFill>
+              </a:rPr>
+              <a:t>Progress</a:t>
+            </a:r>
+            <a:endParaRPr kumimoji="1" lang="ja-JP" altLang="en-US" sz="2400" b="1" dirty="0">
+              <a:solidFill>
+                <a:schemeClr val="bg1"/>
+              </a:solidFill>
+            </a:endParaRPr>
+          </a:p>
+        </p:txBody>
+      </p:sp>
+      <p:sp>
+        <p:nvSpPr>
+          <p:cNvPr id="26" name="楕円 25">
+            <a:extLst>
+              <a:ext uri="{FF2B5EF4-FFF2-40B4-BE49-F238E27FC236}">
+                <a16:creationId xmlns:a16="http://schemas.microsoft.com/office/drawing/2014/main" id="{268DE153-B1F0-4021-AEE9-EE76456239F4}"/>
+              </a:ext>
+            </a:extLst>
+          </p:cNvPr>
+          <p:cNvSpPr/>
+          <p:nvPr/>
+        </p:nvSpPr>
+        <p:spPr>
+          <a:xfrm>
+            <a:off x="7925434" y="690605"/>
+            <a:ext cx="259492" cy="259492"/>
+          </a:xfrm>
+          <a:prstGeom prst="ellipse">
+            <a:avLst/>
+          </a:prstGeom>
+          <a:solidFill>
+            <a:schemeClr val="accent1">
+              <a:lumMod val="75000"/>
+            </a:schemeClr>
+          </a:solidFill>
+          <a:ln>
+            <a:noFill/>
+          </a:ln>
+        </p:spPr>
+        <p:style>
+          <a:lnRef idx="2">
+            <a:schemeClr val="accent1">
+              <a:shade val="50000"/>
+            </a:schemeClr>
+          </a:lnRef>
+          <a:fillRef idx="1">
+            <a:schemeClr val="accent1"/>
+          </a:fillRef>
+          <a:effectRef idx="0">
+            <a:schemeClr val="accent1"/>
+          </a:effectRef>
+          <a:fontRef idx="minor">
+            <a:schemeClr val="lt1"/>
+          </a:fontRef>
+        </p:style>
+        <p:txBody>
+          <a:bodyPr rtlCol="0" anchor="ctr"/>
+          <a:lstStyle/>
+          <a:p>
+            <a:pPr algn="ctr"/>
+            <a:endParaRPr kumimoji="1" lang="ja-JP" altLang="en-US"/>
           </a:p>
         </p:txBody>
       </p:sp>
@@ -28031,6 +32038,401 @@
           </a:p>
         </p:txBody>
       </p:sp>
+      <p:sp>
+        <p:nvSpPr>
+          <p:cNvPr id="19" name="楕円 18">
+            <a:extLst>
+              <a:ext uri="{FF2B5EF4-FFF2-40B4-BE49-F238E27FC236}">
+                <a16:creationId xmlns:a16="http://schemas.microsoft.com/office/drawing/2014/main" id="{E582A904-1CB8-4D61-BE0C-E203AE4E668F}"/>
+              </a:ext>
+            </a:extLst>
+          </p:cNvPr>
+          <p:cNvSpPr/>
+          <p:nvPr/>
+        </p:nvSpPr>
+        <p:spPr>
+          <a:xfrm>
+            <a:off x="7851294" y="616465"/>
+            <a:ext cx="407773" cy="407773"/>
+          </a:xfrm>
+          <a:prstGeom prst="ellipse">
+            <a:avLst/>
+          </a:prstGeom>
+          <a:solidFill>
+            <a:srgbClr val="D9D9D9"/>
+          </a:solidFill>
+        </p:spPr>
+        <p:style>
+          <a:lnRef idx="2">
+            <a:schemeClr val="accent1">
+              <a:shade val="50000"/>
+            </a:schemeClr>
+          </a:lnRef>
+          <a:fillRef idx="1">
+            <a:schemeClr val="accent1"/>
+          </a:fillRef>
+          <a:effectRef idx="0">
+            <a:schemeClr val="accent1"/>
+          </a:effectRef>
+          <a:fontRef idx="minor">
+            <a:schemeClr val="lt1"/>
+          </a:fontRef>
+        </p:style>
+        <p:txBody>
+          <a:bodyPr rtlCol="0" anchor="ctr"/>
+          <a:lstStyle/>
+          <a:p>
+            <a:pPr algn="ctr"/>
+            <a:endParaRPr kumimoji="1" lang="ja-JP" altLang="en-US"/>
+          </a:p>
+        </p:txBody>
+      </p:sp>
+      <p:sp>
+        <p:nvSpPr>
+          <p:cNvPr id="20" name="楕円 19">
+            <a:extLst>
+              <a:ext uri="{FF2B5EF4-FFF2-40B4-BE49-F238E27FC236}">
+                <a16:creationId xmlns:a16="http://schemas.microsoft.com/office/drawing/2014/main" id="{D904B0F8-70E5-483A-A58C-DCB4988A47A6}"/>
+              </a:ext>
+            </a:extLst>
+          </p:cNvPr>
+          <p:cNvSpPr/>
+          <p:nvPr/>
+        </p:nvSpPr>
+        <p:spPr>
+          <a:xfrm>
+            <a:off x="8689494" y="616465"/>
+            <a:ext cx="407773" cy="407773"/>
+          </a:xfrm>
+          <a:prstGeom prst="ellipse">
+            <a:avLst/>
+          </a:prstGeom>
+          <a:solidFill>
+            <a:srgbClr val="D9D9D9"/>
+          </a:solidFill>
+        </p:spPr>
+        <p:style>
+          <a:lnRef idx="2">
+            <a:schemeClr val="accent1">
+              <a:shade val="50000"/>
+            </a:schemeClr>
+          </a:lnRef>
+          <a:fillRef idx="1">
+            <a:schemeClr val="accent1"/>
+          </a:fillRef>
+          <a:effectRef idx="0">
+            <a:schemeClr val="accent1"/>
+          </a:effectRef>
+          <a:fontRef idx="minor">
+            <a:schemeClr val="lt1"/>
+          </a:fontRef>
+        </p:style>
+        <p:txBody>
+          <a:bodyPr rtlCol="0" anchor="ctr"/>
+          <a:lstStyle/>
+          <a:p>
+            <a:pPr algn="ctr"/>
+            <a:endParaRPr kumimoji="1" lang="ja-JP" altLang="en-US"/>
+          </a:p>
+        </p:txBody>
+      </p:sp>
+      <p:sp>
+        <p:nvSpPr>
+          <p:cNvPr id="21" name="楕円 20">
+            <a:extLst>
+              <a:ext uri="{FF2B5EF4-FFF2-40B4-BE49-F238E27FC236}">
+                <a16:creationId xmlns:a16="http://schemas.microsoft.com/office/drawing/2014/main" id="{FA1AE9E7-8F0D-4EBD-BFC8-E59DAA595B6E}"/>
+              </a:ext>
+            </a:extLst>
+          </p:cNvPr>
+          <p:cNvSpPr/>
+          <p:nvPr/>
+        </p:nvSpPr>
+        <p:spPr>
+          <a:xfrm>
+            <a:off x="9527694" y="616465"/>
+            <a:ext cx="407773" cy="407773"/>
+          </a:xfrm>
+          <a:prstGeom prst="ellipse">
+            <a:avLst/>
+          </a:prstGeom>
+          <a:solidFill>
+            <a:srgbClr val="D9D9D9"/>
+          </a:solidFill>
+        </p:spPr>
+        <p:style>
+          <a:lnRef idx="2">
+            <a:schemeClr val="accent1">
+              <a:shade val="50000"/>
+            </a:schemeClr>
+          </a:lnRef>
+          <a:fillRef idx="1">
+            <a:schemeClr val="accent1"/>
+          </a:fillRef>
+          <a:effectRef idx="0">
+            <a:schemeClr val="accent1"/>
+          </a:effectRef>
+          <a:fontRef idx="minor">
+            <a:schemeClr val="lt1"/>
+          </a:fontRef>
+        </p:style>
+        <p:txBody>
+          <a:bodyPr rtlCol="0" anchor="ctr"/>
+          <a:lstStyle/>
+          <a:p>
+            <a:pPr algn="ctr"/>
+            <a:endParaRPr kumimoji="1" lang="ja-JP" altLang="en-US"/>
+          </a:p>
+        </p:txBody>
+      </p:sp>
+      <p:sp>
+        <p:nvSpPr>
+          <p:cNvPr id="22" name="楕円 21">
+            <a:extLst>
+              <a:ext uri="{FF2B5EF4-FFF2-40B4-BE49-F238E27FC236}">
+                <a16:creationId xmlns:a16="http://schemas.microsoft.com/office/drawing/2014/main" id="{79FBCE3D-0209-443D-A6E5-F1D3999938B8}"/>
+              </a:ext>
+            </a:extLst>
+          </p:cNvPr>
+          <p:cNvSpPr/>
+          <p:nvPr/>
+        </p:nvSpPr>
+        <p:spPr>
+          <a:xfrm>
+            <a:off x="10365894" y="616465"/>
+            <a:ext cx="407773" cy="407773"/>
+          </a:xfrm>
+          <a:prstGeom prst="ellipse">
+            <a:avLst/>
+          </a:prstGeom>
+          <a:solidFill>
+            <a:srgbClr val="D9D9D9"/>
+          </a:solidFill>
+        </p:spPr>
+        <p:style>
+          <a:lnRef idx="2">
+            <a:schemeClr val="accent1">
+              <a:shade val="50000"/>
+            </a:schemeClr>
+          </a:lnRef>
+          <a:fillRef idx="1">
+            <a:schemeClr val="accent1"/>
+          </a:fillRef>
+          <a:effectRef idx="0">
+            <a:schemeClr val="accent1"/>
+          </a:effectRef>
+          <a:fontRef idx="minor">
+            <a:schemeClr val="lt1"/>
+          </a:fontRef>
+        </p:style>
+        <p:txBody>
+          <a:bodyPr rtlCol="0" anchor="ctr"/>
+          <a:lstStyle/>
+          <a:p>
+            <a:pPr algn="ctr"/>
+            <a:endParaRPr kumimoji="1" lang="ja-JP" altLang="en-US"/>
+          </a:p>
+        </p:txBody>
+      </p:sp>
+      <p:sp>
+        <p:nvSpPr>
+          <p:cNvPr id="23" name="楕円 22">
+            <a:extLst>
+              <a:ext uri="{FF2B5EF4-FFF2-40B4-BE49-F238E27FC236}">
+                <a16:creationId xmlns:a16="http://schemas.microsoft.com/office/drawing/2014/main" id="{23D9B8FB-3BE2-4E0B-B669-C1C7FEEE880B}"/>
+              </a:ext>
+            </a:extLst>
+          </p:cNvPr>
+          <p:cNvSpPr/>
+          <p:nvPr/>
+        </p:nvSpPr>
+        <p:spPr>
+          <a:xfrm>
+            <a:off x="11204094" y="616465"/>
+            <a:ext cx="407773" cy="407773"/>
+          </a:xfrm>
+          <a:prstGeom prst="ellipse">
+            <a:avLst/>
+          </a:prstGeom>
+          <a:solidFill>
+            <a:srgbClr val="D9D9D9"/>
+          </a:solidFill>
+        </p:spPr>
+        <p:style>
+          <a:lnRef idx="2">
+            <a:schemeClr val="accent1">
+              <a:shade val="50000"/>
+            </a:schemeClr>
+          </a:lnRef>
+          <a:fillRef idx="1">
+            <a:schemeClr val="accent1"/>
+          </a:fillRef>
+          <a:effectRef idx="0">
+            <a:schemeClr val="accent1"/>
+          </a:effectRef>
+          <a:fontRef idx="minor">
+            <a:schemeClr val="lt1"/>
+          </a:fontRef>
+        </p:style>
+        <p:txBody>
+          <a:bodyPr rtlCol="0" anchor="ctr"/>
+          <a:lstStyle/>
+          <a:p>
+            <a:pPr algn="ctr"/>
+            <a:endParaRPr kumimoji="1" lang="ja-JP" altLang="en-US"/>
+          </a:p>
+        </p:txBody>
+      </p:sp>
+      <p:sp>
+        <p:nvSpPr>
+          <p:cNvPr id="24" name="正方形/長方形 23">
+            <a:extLst>
+              <a:ext uri="{FF2B5EF4-FFF2-40B4-BE49-F238E27FC236}">
+                <a16:creationId xmlns:a16="http://schemas.microsoft.com/office/drawing/2014/main" id="{B275EED0-5271-4C88-8F02-B53741035AE4}"/>
+              </a:ext>
+            </a:extLst>
+          </p:cNvPr>
+          <p:cNvSpPr/>
+          <p:nvPr/>
+        </p:nvSpPr>
+        <p:spPr>
+          <a:xfrm>
+            <a:off x="8055180" y="779505"/>
+            <a:ext cx="3298620" cy="81692"/>
+          </a:xfrm>
+          <a:prstGeom prst="rect">
+            <a:avLst/>
+          </a:prstGeom>
+          <a:solidFill>
+            <a:srgbClr val="D9D9D9"/>
+          </a:solidFill>
+          <a:ln>
+            <a:noFill/>
+          </a:ln>
+        </p:spPr>
+        <p:style>
+          <a:lnRef idx="2">
+            <a:schemeClr val="accent1">
+              <a:shade val="50000"/>
+            </a:schemeClr>
+          </a:lnRef>
+          <a:fillRef idx="1">
+            <a:schemeClr val="accent1"/>
+          </a:fillRef>
+          <a:effectRef idx="0">
+            <a:schemeClr val="accent1"/>
+          </a:effectRef>
+          <a:fontRef idx="minor">
+            <a:schemeClr val="lt1"/>
+          </a:fontRef>
+        </p:style>
+        <p:txBody>
+          <a:bodyPr rtlCol="0" anchor="ctr"/>
+          <a:lstStyle/>
+          <a:p>
+            <a:pPr algn="ctr"/>
+            <a:endParaRPr kumimoji="1" lang="ja-JP" altLang="en-US"/>
+          </a:p>
+        </p:txBody>
+      </p:sp>
+      <p:sp>
+        <p:nvSpPr>
+          <p:cNvPr id="25" name="テキスト ボックス 24">
+            <a:extLst>
+              <a:ext uri="{FF2B5EF4-FFF2-40B4-BE49-F238E27FC236}">
+                <a16:creationId xmlns:a16="http://schemas.microsoft.com/office/drawing/2014/main" id="{D33FA092-F09A-4FEF-8347-10C6D4CFEEE0}"/>
+              </a:ext>
+            </a:extLst>
+          </p:cNvPr>
+          <p:cNvSpPr txBox="1"/>
+          <p:nvPr/>
+        </p:nvSpPr>
+        <p:spPr>
+          <a:xfrm>
+            <a:off x="7648833" y="204282"/>
+            <a:ext cx="1297460" cy="461665"/>
+          </a:xfrm>
+          <a:prstGeom prst="rect">
+            <a:avLst/>
+          </a:prstGeom>
+          <a:noFill/>
+        </p:spPr>
+        <p:txBody>
+          <a:bodyPr wrap="square" rtlCol="0">
+            <a:spAutoFit/>
+          </a:bodyPr>
+          <a:lstStyle/>
+          <a:p>
+            <a:r>
+              <a:rPr kumimoji="1" lang="en-US" altLang="ja-JP" sz="2400" b="1" dirty="0">
+                <a:solidFill>
+                  <a:schemeClr val="bg1"/>
+                </a:solidFill>
+              </a:rPr>
+              <a:t>Progress</a:t>
+            </a:r>
+            <a:endParaRPr kumimoji="1" lang="ja-JP" altLang="en-US" sz="2400" b="1" dirty="0">
+              <a:solidFill>
+                <a:schemeClr val="bg1"/>
+              </a:solidFill>
+            </a:endParaRPr>
+          </a:p>
+        </p:txBody>
+      </p:sp>
+      <p:sp>
+        <p:nvSpPr>
+          <p:cNvPr id="26" name="楕円 25">
+            <a:extLst>
+              <a:ext uri="{FF2B5EF4-FFF2-40B4-BE49-F238E27FC236}">
+                <a16:creationId xmlns:a16="http://schemas.microsoft.com/office/drawing/2014/main" id="{FEB09215-8C0D-442C-A409-E0BB9D3C53B0}"/>
+              </a:ext>
+            </a:extLst>
+          </p:cNvPr>
+          <p:cNvSpPr/>
+          <p:nvPr/>
+        </p:nvSpPr>
+        <p:spPr>
+          <a:xfrm>
+            <a:off x="8763634" y="690605"/>
+            <a:ext cx="259492" cy="259492"/>
+          </a:xfrm>
+          <a:prstGeom prst="ellipse">
+            <a:avLst/>
+          </a:prstGeom>
+          <a:solidFill>
+            <a:schemeClr val="accent1">
+              <a:lumMod val="75000"/>
+            </a:schemeClr>
+          </a:solidFill>
+          <a:ln>
+            <a:noFill/>
+          </a:ln>
+        </p:spPr>
+        <p:style>
+          <a:lnRef idx="2">
+            <a:schemeClr val="accent1">
+              <a:shade val="50000"/>
+            </a:schemeClr>
+          </a:lnRef>
+          <a:fillRef idx="1">
+            <a:schemeClr val="accent1"/>
+          </a:fillRef>
+          <a:effectRef idx="0">
+            <a:schemeClr val="accent1"/>
+          </a:effectRef>
+          <a:fontRef idx="minor">
+            <a:schemeClr val="lt1"/>
+          </a:fontRef>
+        </p:style>
+        <p:txBody>
+          <a:bodyPr rtlCol="0" anchor="ctr"/>
+          <a:lstStyle/>
+          <a:p>
+            <a:pPr algn="ctr"/>
+            <a:endParaRPr kumimoji="1" lang="ja-JP" altLang="en-US"/>
+          </a:p>
+        </p:txBody>
+      </p:sp>
     </p:spTree>
     <p:extLst>
       <p:ext uri="{BB962C8B-B14F-4D97-AF65-F5344CB8AC3E}">
@@ -29162,6 +33564,401 @@
               <a:ea typeface="メイリオ" panose="020B0604030504040204" pitchFamily="50" charset="-128"/>
               <a:cs typeface="+mn-cs"/>
             </a:endParaRPr>
+          </a:p>
+        </p:txBody>
+      </p:sp>
+      <p:sp>
+        <p:nvSpPr>
+          <p:cNvPr id="19" name="楕円 18">
+            <a:extLst>
+              <a:ext uri="{FF2B5EF4-FFF2-40B4-BE49-F238E27FC236}">
+                <a16:creationId xmlns:a16="http://schemas.microsoft.com/office/drawing/2014/main" id="{721EBB99-31FB-49B3-A514-E9DD6C8291B6}"/>
+              </a:ext>
+            </a:extLst>
+          </p:cNvPr>
+          <p:cNvSpPr/>
+          <p:nvPr/>
+        </p:nvSpPr>
+        <p:spPr>
+          <a:xfrm>
+            <a:off x="7851294" y="616465"/>
+            <a:ext cx="407773" cy="407773"/>
+          </a:xfrm>
+          <a:prstGeom prst="ellipse">
+            <a:avLst/>
+          </a:prstGeom>
+          <a:solidFill>
+            <a:srgbClr val="D9D9D9"/>
+          </a:solidFill>
+        </p:spPr>
+        <p:style>
+          <a:lnRef idx="2">
+            <a:schemeClr val="accent1">
+              <a:shade val="50000"/>
+            </a:schemeClr>
+          </a:lnRef>
+          <a:fillRef idx="1">
+            <a:schemeClr val="accent1"/>
+          </a:fillRef>
+          <a:effectRef idx="0">
+            <a:schemeClr val="accent1"/>
+          </a:effectRef>
+          <a:fontRef idx="minor">
+            <a:schemeClr val="lt1"/>
+          </a:fontRef>
+        </p:style>
+        <p:txBody>
+          <a:bodyPr rtlCol="0" anchor="ctr"/>
+          <a:lstStyle/>
+          <a:p>
+            <a:pPr algn="ctr"/>
+            <a:endParaRPr kumimoji="1" lang="ja-JP" altLang="en-US"/>
+          </a:p>
+        </p:txBody>
+      </p:sp>
+      <p:sp>
+        <p:nvSpPr>
+          <p:cNvPr id="20" name="楕円 19">
+            <a:extLst>
+              <a:ext uri="{FF2B5EF4-FFF2-40B4-BE49-F238E27FC236}">
+                <a16:creationId xmlns:a16="http://schemas.microsoft.com/office/drawing/2014/main" id="{83525A82-452F-4A6B-BD79-260910ED892F}"/>
+              </a:ext>
+            </a:extLst>
+          </p:cNvPr>
+          <p:cNvSpPr/>
+          <p:nvPr/>
+        </p:nvSpPr>
+        <p:spPr>
+          <a:xfrm>
+            <a:off x="8689494" y="616465"/>
+            <a:ext cx="407773" cy="407773"/>
+          </a:xfrm>
+          <a:prstGeom prst="ellipse">
+            <a:avLst/>
+          </a:prstGeom>
+          <a:solidFill>
+            <a:srgbClr val="D9D9D9"/>
+          </a:solidFill>
+        </p:spPr>
+        <p:style>
+          <a:lnRef idx="2">
+            <a:schemeClr val="accent1">
+              <a:shade val="50000"/>
+            </a:schemeClr>
+          </a:lnRef>
+          <a:fillRef idx="1">
+            <a:schemeClr val="accent1"/>
+          </a:fillRef>
+          <a:effectRef idx="0">
+            <a:schemeClr val="accent1"/>
+          </a:effectRef>
+          <a:fontRef idx="minor">
+            <a:schemeClr val="lt1"/>
+          </a:fontRef>
+        </p:style>
+        <p:txBody>
+          <a:bodyPr rtlCol="0" anchor="ctr"/>
+          <a:lstStyle/>
+          <a:p>
+            <a:pPr algn="ctr"/>
+            <a:endParaRPr kumimoji="1" lang="ja-JP" altLang="en-US"/>
+          </a:p>
+        </p:txBody>
+      </p:sp>
+      <p:sp>
+        <p:nvSpPr>
+          <p:cNvPr id="21" name="楕円 20">
+            <a:extLst>
+              <a:ext uri="{FF2B5EF4-FFF2-40B4-BE49-F238E27FC236}">
+                <a16:creationId xmlns:a16="http://schemas.microsoft.com/office/drawing/2014/main" id="{1B8D4F93-9638-4C58-A2E9-283984B4B1F6}"/>
+              </a:ext>
+            </a:extLst>
+          </p:cNvPr>
+          <p:cNvSpPr/>
+          <p:nvPr/>
+        </p:nvSpPr>
+        <p:spPr>
+          <a:xfrm>
+            <a:off x="9527694" y="616465"/>
+            <a:ext cx="407773" cy="407773"/>
+          </a:xfrm>
+          <a:prstGeom prst="ellipse">
+            <a:avLst/>
+          </a:prstGeom>
+          <a:solidFill>
+            <a:srgbClr val="D9D9D9"/>
+          </a:solidFill>
+        </p:spPr>
+        <p:style>
+          <a:lnRef idx="2">
+            <a:schemeClr val="accent1">
+              <a:shade val="50000"/>
+            </a:schemeClr>
+          </a:lnRef>
+          <a:fillRef idx="1">
+            <a:schemeClr val="accent1"/>
+          </a:fillRef>
+          <a:effectRef idx="0">
+            <a:schemeClr val="accent1"/>
+          </a:effectRef>
+          <a:fontRef idx="minor">
+            <a:schemeClr val="lt1"/>
+          </a:fontRef>
+        </p:style>
+        <p:txBody>
+          <a:bodyPr rtlCol="0" anchor="ctr"/>
+          <a:lstStyle/>
+          <a:p>
+            <a:pPr algn="ctr"/>
+            <a:endParaRPr kumimoji="1" lang="ja-JP" altLang="en-US"/>
+          </a:p>
+        </p:txBody>
+      </p:sp>
+      <p:sp>
+        <p:nvSpPr>
+          <p:cNvPr id="22" name="楕円 21">
+            <a:extLst>
+              <a:ext uri="{FF2B5EF4-FFF2-40B4-BE49-F238E27FC236}">
+                <a16:creationId xmlns:a16="http://schemas.microsoft.com/office/drawing/2014/main" id="{F6F5E99F-0760-48E6-9545-B1D508D273AF}"/>
+              </a:ext>
+            </a:extLst>
+          </p:cNvPr>
+          <p:cNvSpPr/>
+          <p:nvPr/>
+        </p:nvSpPr>
+        <p:spPr>
+          <a:xfrm>
+            <a:off x="10365894" y="616465"/>
+            <a:ext cx="407773" cy="407773"/>
+          </a:xfrm>
+          <a:prstGeom prst="ellipse">
+            <a:avLst/>
+          </a:prstGeom>
+          <a:solidFill>
+            <a:srgbClr val="D9D9D9"/>
+          </a:solidFill>
+        </p:spPr>
+        <p:style>
+          <a:lnRef idx="2">
+            <a:schemeClr val="accent1">
+              <a:shade val="50000"/>
+            </a:schemeClr>
+          </a:lnRef>
+          <a:fillRef idx="1">
+            <a:schemeClr val="accent1"/>
+          </a:fillRef>
+          <a:effectRef idx="0">
+            <a:schemeClr val="accent1"/>
+          </a:effectRef>
+          <a:fontRef idx="minor">
+            <a:schemeClr val="lt1"/>
+          </a:fontRef>
+        </p:style>
+        <p:txBody>
+          <a:bodyPr rtlCol="0" anchor="ctr"/>
+          <a:lstStyle/>
+          <a:p>
+            <a:pPr algn="ctr"/>
+            <a:endParaRPr kumimoji="1" lang="ja-JP" altLang="en-US"/>
+          </a:p>
+        </p:txBody>
+      </p:sp>
+      <p:sp>
+        <p:nvSpPr>
+          <p:cNvPr id="23" name="楕円 22">
+            <a:extLst>
+              <a:ext uri="{FF2B5EF4-FFF2-40B4-BE49-F238E27FC236}">
+                <a16:creationId xmlns:a16="http://schemas.microsoft.com/office/drawing/2014/main" id="{F75EEEBB-661D-4EB0-A53D-9FC71ED391CA}"/>
+              </a:ext>
+            </a:extLst>
+          </p:cNvPr>
+          <p:cNvSpPr/>
+          <p:nvPr/>
+        </p:nvSpPr>
+        <p:spPr>
+          <a:xfrm>
+            <a:off x="11204094" y="616465"/>
+            <a:ext cx="407773" cy="407773"/>
+          </a:xfrm>
+          <a:prstGeom prst="ellipse">
+            <a:avLst/>
+          </a:prstGeom>
+          <a:solidFill>
+            <a:srgbClr val="D9D9D9"/>
+          </a:solidFill>
+        </p:spPr>
+        <p:style>
+          <a:lnRef idx="2">
+            <a:schemeClr val="accent1">
+              <a:shade val="50000"/>
+            </a:schemeClr>
+          </a:lnRef>
+          <a:fillRef idx="1">
+            <a:schemeClr val="accent1"/>
+          </a:fillRef>
+          <a:effectRef idx="0">
+            <a:schemeClr val="accent1"/>
+          </a:effectRef>
+          <a:fontRef idx="minor">
+            <a:schemeClr val="lt1"/>
+          </a:fontRef>
+        </p:style>
+        <p:txBody>
+          <a:bodyPr rtlCol="0" anchor="ctr"/>
+          <a:lstStyle/>
+          <a:p>
+            <a:pPr algn="ctr"/>
+            <a:endParaRPr kumimoji="1" lang="ja-JP" altLang="en-US"/>
+          </a:p>
+        </p:txBody>
+      </p:sp>
+      <p:sp>
+        <p:nvSpPr>
+          <p:cNvPr id="24" name="正方形/長方形 23">
+            <a:extLst>
+              <a:ext uri="{FF2B5EF4-FFF2-40B4-BE49-F238E27FC236}">
+                <a16:creationId xmlns:a16="http://schemas.microsoft.com/office/drawing/2014/main" id="{AF2A6E08-C308-45C2-89A2-AC4ECBC7177F}"/>
+              </a:ext>
+            </a:extLst>
+          </p:cNvPr>
+          <p:cNvSpPr/>
+          <p:nvPr/>
+        </p:nvSpPr>
+        <p:spPr>
+          <a:xfrm>
+            <a:off x="8055180" y="779505"/>
+            <a:ext cx="3298620" cy="81692"/>
+          </a:xfrm>
+          <a:prstGeom prst="rect">
+            <a:avLst/>
+          </a:prstGeom>
+          <a:solidFill>
+            <a:srgbClr val="D9D9D9"/>
+          </a:solidFill>
+          <a:ln>
+            <a:noFill/>
+          </a:ln>
+        </p:spPr>
+        <p:style>
+          <a:lnRef idx="2">
+            <a:schemeClr val="accent1">
+              <a:shade val="50000"/>
+            </a:schemeClr>
+          </a:lnRef>
+          <a:fillRef idx="1">
+            <a:schemeClr val="accent1"/>
+          </a:fillRef>
+          <a:effectRef idx="0">
+            <a:schemeClr val="accent1"/>
+          </a:effectRef>
+          <a:fontRef idx="minor">
+            <a:schemeClr val="lt1"/>
+          </a:fontRef>
+        </p:style>
+        <p:txBody>
+          <a:bodyPr rtlCol="0" anchor="ctr"/>
+          <a:lstStyle/>
+          <a:p>
+            <a:pPr algn="ctr"/>
+            <a:endParaRPr kumimoji="1" lang="ja-JP" altLang="en-US"/>
+          </a:p>
+        </p:txBody>
+      </p:sp>
+      <p:sp>
+        <p:nvSpPr>
+          <p:cNvPr id="25" name="テキスト ボックス 24">
+            <a:extLst>
+              <a:ext uri="{FF2B5EF4-FFF2-40B4-BE49-F238E27FC236}">
+                <a16:creationId xmlns:a16="http://schemas.microsoft.com/office/drawing/2014/main" id="{5756D07C-6218-4F30-A66A-BC39FAC81ECA}"/>
+              </a:ext>
+            </a:extLst>
+          </p:cNvPr>
+          <p:cNvSpPr txBox="1"/>
+          <p:nvPr/>
+        </p:nvSpPr>
+        <p:spPr>
+          <a:xfrm>
+            <a:off x="7648833" y="204282"/>
+            <a:ext cx="1297460" cy="461665"/>
+          </a:xfrm>
+          <a:prstGeom prst="rect">
+            <a:avLst/>
+          </a:prstGeom>
+          <a:noFill/>
+        </p:spPr>
+        <p:txBody>
+          <a:bodyPr wrap="square" rtlCol="0">
+            <a:spAutoFit/>
+          </a:bodyPr>
+          <a:lstStyle/>
+          <a:p>
+            <a:r>
+              <a:rPr kumimoji="1" lang="en-US" altLang="ja-JP" sz="2400" b="1" dirty="0">
+                <a:solidFill>
+                  <a:schemeClr val="bg1"/>
+                </a:solidFill>
+              </a:rPr>
+              <a:t>Progress</a:t>
+            </a:r>
+            <a:endParaRPr kumimoji="1" lang="ja-JP" altLang="en-US" sz="2400" b="1" dirty="0">
+              <a:solidFill>
+                <a:schemeClr val="bg1"/>
+              </a:solidFill>
+            </a:endParaRPr>
+          </a:p>
+        </p:txBody>
+      </p:sp>
+      <p:sp>
+        <p:nvSpPr>
+          <p:cNvPr id="26" name="楕円 25">
+            <a:extLst>
+              <a:ext uri="{FF2B5EF4-FFF2-40B4-BE49-F238E27FC236}">
+                <a16:creationId xmlns:a16="http://schemas.microsoft.com/office/drawing/2014/main" id="{32B19C2A-403A-484C-8851-39A2B6E9CC94}"/>
+              </a:ext>
+            </a:extLst>
+          </p:cNvPr>
+          <p:cNvSpPr/>
+          <p:nvPr/>
+        </p:nvSpPr>
+        <p:spPr>
+          <a:xfrm>
+            <a:off x="8763634" y="690605"/>
+            <a:ext cx="259492" cy="259492"/>
+          </a:xfrm>
+          <a:prstGeom prst="ellipse">
+            <a:avLst/>
+          </a:prstGeom>
+          <a:solidFill>
+            <a:schemeClr val="accent1">
+              <a:lumMod val="75000"/>
+            </a:schemeClr>
+          </a:solidFill>
+          <a:ln>
+            <a:noFill/>
+          </a:ln>
+        </p:spPr>
+        <p:style>
+          <a:lnRef idx="2">
+            <a:schemeClr val="accent1">
+              <a:shade val="50000"/>
+            </a:schemeClr>
+          </a:lnRef>
+          <a:fillRef idx="1">
+            <a:schemeClr val="accent1"/>
+          </a:fillRef>
+          <a:effectRef idx="0">
+            <a:schemeClr val="accent1"/>
+          </a:effectRef>
+          <a:fontRef idx="minor">
+            <a:schemeClr val="lt1"/>
+          </a:fontRef>
+        </p:style>
+        <p:txBody>
+          <a:bodyPr rtlCol="0" anchor="ctr"/>
+          <a:lstStyle/>
+          <a:p>
+            <a:pPr algn="ctr"/>
+            <a:endParaRPr kumimoji="1" lang="ja-JP" altLang="en-US"/>
           </a:p>
         </p:txBody>
       </p:sp>
